--- a/Clase 2.pptx
+++ b/Clase 2.pptx
@@ -8,12 +8,21 @@
     <p:sldId id="256" r:id="rId2"/>
     <p:sldId id="260" r:id="rId3"/>
     <p:sldId id="257" r:id="rId4"/>
-    <p:sldId id="258" r:id="rId5"/>
-    <p:sldId id="259" r:id="rId6"/>
-    <p:sldId id="261" r:id="rId7"/>
-    <p:sldId id="262" r:id="rId8"/>
-    <p:sldId id="263" r:id="rId9"/>
-    <p:sldId id="269" r:id="rId10"/>
+    <p:sldId id="270" r:id="rId5"/>
+    <p:sldId id="271" r:id="rId6"/>
+    <p:sldId id="258" r:id="rId7"/>
+    <p:sldId id="259" r:id="rId8"/>
+    <p:sldId id="272" r:id="rId9"/>
+    <p:sldId id="261" r:id="rId10"/>
+    <p:sldId id="262" r:id="rId11"/>
+    <p:sldId id="273" r:id="rId12"/>
+    <p:sldId id="274" r:id="rId13"/>
+    <p:sldId id="275" r:id="rId14"/>
+    <p:sldId id="276" r:id="rId15"/>
+    <p:sldId id="263" r:id="rId16"/>
+    <p:sldId id="277" r:id="rId17"/>
+    <p:sldId id="278" r:id="rId18"/>
+    <p:sldId id="269" r:id="rId19"/>
   </p:sldIdLst>
   <p:sldSz cx="12192000" cy="6858000"/>
   <p:notesSz cx="6858000" cy="9144000"/>
@@ -267,7 +276,7 @@
           <a:p>
             <a:fld id="{868EE082-CC84-42F1-B1A9-5FF676D34F73}" type="datetimeFigureOut">
               <a:rPr lang="es-ES" smtClean="0"/>
-              <a:t>12/08/2025</a:t>
+              <a:t>13/08/2025</a:t>
             </a:fld>
             <a:endParaRPr lang="es-ES"/>
           </a:p>
@@ -465,7 +474,7 @@
           <a:p>
             <a:fld id="{868EE082-CC84-42F1-B1A9-5FF676D34F73}" type="datetimeFigureOut">
               <a:rPr lang="es-ES" smtClean="0"/>
-              <a:t>12/08/2025</a:t>
+              <a:t>13/08/2025</a:t>
             </a:fld>
             <a:endParaRPr lang="es-ES"/>
           </a:p>
@@ -673,7 +682,7 @@
           <a:p>
             <a:fld id="{868EE082-CC84-42F1-B1A9-5FF676D34F73}" type="datetimeFigureOut">
               <a:rPr lang="es-ES" smtClean="0"/>
-              <a:t>12/08/2025</a:t>
+              <a:t>13/08/2025</a:t>
             </a:fld>
             <a:endParaRPr lang="es-ES"/>
           </a:p>
@@ -871,7 +880,7 @@
           <a:p>
             <a:fld id="{868EE082-CC84-42F1-B1A9-5FF676D34F73}" type="datetimeFigureOut">
               <a:rPr lang="es-ES" smtClean="0"/>
-              <a:t>12/08/2025</a:t>
+              <a:t>13/08/2025</a:t>
             </a:fld>
             <a:endParaRPr lang="es-ES"/>
           </a:p>
@@ -1146,7 +1155,7 @@
           <a:p>
             <a:fld id="{868EE082-CC84-42F1-B1A9-5FF676D34F73}" type="datetimeFigureOut">
               <a:rPr lang="es-ES" smtClean="0"/>
-              <a:t>12/08/2025</a:t>
+              <a:t>13/08/2025</a:t>
             </a:fld>
             <a:endParaRPr lang="es-ES"/>
           </a:p>
@@ -1411,7 +1420,7 @@
           <a:p>
             <a:fld id="{868EE082-CC84-42F1-B1A9-5FF676D34F73}" type="datetimeFigureOut">
               <a:rPr lang="es-ES" smtClean="0"/>
-              <a:t>12/08/2025</a:t>
+              <a:t>13/08/2025</a:t>
             </a:fld>
             <a:endParaRPr lang="es-ES"/>
           </a:p>
@@ -1823,7 +1832,7 @@
           <a:p>
             <a:fld id="{868EE082-CC84-42F1-B1A9-5FF676D34F73}" type="datetimeFigureOut">
               <a:rPr lang="es-ES" smtClean="0"/>
-              <a:t>12/08/2025</a:t>
+              <a:t>13/08/2025</a:t>
             </a:fld>
             <a:endParaRPr lang="es-ES"/>
           </a:p>
@@ -1964,7 +1973,7 @@
           <a:p>
             <a:fld id="{868EE082-CC84-42F1-B1A9-5FF676D34F73}" type="datetimeFigureOut">
               <a:rPr lang="es-ES" smtClean="0"/>
-              <a:t>12/08/2025</a:t>
+              <a:t>13/08/2025</a:t>
             </a:fld>
             <a:endParaRPr lang="es-ES"/>
           </a:p>
@@ -2077,7 +2086,7 @@
           <a:p>
             <a:fld id="{868EE082-CC84-42F1-B1A9-5FF676D34F73}" type="datetimeFigureOut">
               <a:rPr lang="es-ES" smtClean="0"/>
-              <a:t>12/08/2025</a:t>
+              <a:t>13/08/2025</a:t>
             </a:fld>
             <a:endParaRPr lang="es-ES"/>
           </a:p>
@@ -2388,7 +2397,7 @@
           <a:p>
             <a:fld id="{868EE082-CC84-42F1-B1A9-5FF676D34F73}" type="datetimeFigureOut">
               <a:rPr lang="es-ES" smtClean="0"/>
-              <a:t>12/08/2025</a:t>
+              <a:t>13/08/2025</a:t>
             </a:fld>
             <a:endParaRPr lang="es-ES"/>
           </a:p>
@@ -2676,7 +2685,7 @@
           <a:p>
             <a:fld id="{868EE082-CC84-42F1-B1A9-5FF676D34F73}" type="datetimeFigureOut">
               <a:rPr lang="es-ES" smtClean="0"/>
-              <a:t>12/08/2025</a:t>
+              <a:t>13/08/2025</a:t>
             </a:fld>
             <a:endParaRPr lang="es-ES"/>
           </a:p>
@@ -2917,7 +2926,7 @@
           <a:p>
             <a:fld id="{868EE082-CC84-42F1-B1A9-5FF676D34F73}" type="datetimeFigureOut">
               <a:rPr lang="es-ES" smtClean="0"/>
-              <a:t>12/08/2025</a:t>
+              <a:t>13/08/2025</a:t>
             </a:fld>
             <a:endParaRPr lang="es-ES"/>
           </a:p>
@@ -3616,6 +3625,2771 @@
 </p:sld>
 </file>
 
+<file path=ppt/slides/slide10.xml><?xml version="1.0" encoding="utf-8"?>
+<p:sld xmlns:a="http://schemas.openxmlformats.org/drawingml/2006/main" xmlns:r="http://schemas.openxmlformats.org/officeDocument/2006/relationships" xmlns:p="http://schemas.openxmlformats.org/presentationml/2006/main">
+  <p:cSld>
+    <p:spTree>
+      <p:nvGrpSpPr>
+        <p:cNvPr id="1" name="">
+          <a:extLst>
+            <a:ext uri="{FF2B5EF4-FFF2-40B4-BE49-F238E27FC236}">
+              <a16:creationId xmlns:a16="http://schemas.microsoft.com/office/drawing/2014/main" id="{4FCCE4FC-1772-FB5B-7FC7-932C821FE4E4}"/>
+            </a:ext>
+          </a:extLst>
+        </p:cNvPr>
+        <p:cNvGrpSpPr/>
+        <p:nvPr/>
+      </p:nvGrpSpPr>
+      <p:grpSpPr>
+        <a:xfrm>
+          <a:off x="0" y="0"/>
+          <a:ext cx="0" cy="0"/>
+          <a:chOff x="0" y="0"/>
+          <a:chExt cx="0" cy="0"/>
+        </a:xfrm>
+      </p:grpSpPr>
+      <p:pic>
+        <p:nvPicPr>
+          <p:cNvPr id="5" name="Imagen 4">
+            <a:extLst>
+              <a:ext uri="{FF2B5EF4-FFF2-40B4-BE49-F238E27FC236}">
+                <a16:creationId xmlns:a16="http://schemas.microsoft.com/office/drawing/2014/main" id="{15EF3173-5690-BE81-4FB8-205526103424}"/>
+              </a:ext>
+            </a:extLst>
+          </p:cNvPr>
+          <p:cNvPicPr>
+            <a:picLocks noChangeAspect="1"/>
+          </p:cNvPicPr>
+          <p:nvPr/>
+        </p:nvPicPr>
+        <p:blipFill>
+          <a:blip r:embed="rId2">
+            <a:alphaModFix amt="5000"/>
+          </a:blip>
+          <a:stretch>
+            <a:fillRect/>
+          </a:stretch>
+        </p:blipFill>
+        <p:spPr>
+          <a:xfrm>
+            <a:off x="0" y="-16418"/>
+            <a:ext cx="12192000" cy="6874418"/>
+          </a:xfrm>
+          <a:prstGeom prst="rect">
+            <a:avLst/>
+          </a:prstGeom>
+        </p:spPr>
+      </p:pic>
+      <p:sp>
+        <p:nvSpPr>
+          <p:cNvPr id="2" name="Título 1">
+            <a:extLst>
+              <a:ext uri="{FF2B5EF4-FFF2-40B4-BE49-F238E27FC236}">
+                <a16:creationId xmlns:a16="http://schemas.microsoft.com/office/drawing/2014/main" id="{E5C89B19-3775-9CE7-4301-190618E501DC}"/>
+              </a:ext>
+            </a:extLst>
+          </p:cNvPr>
+          <p:cNvSpPr>
+            <a:spLocks noGrp="1"/>
+          </p:cNvSpPr>
+          <p:nvPr>
+            <p:ph type="title"/>
+          </p:nvPr>
+        </p:nvSpPr>
+        <p:spPr/>
+        <p:txBody>
+          <a:bodyPr/>
+          <a:lstStyle/>
+          <a:p>
+            <a:r>
+              <a:rPr lang="en-US" b="1" dirty="0" err="1"/>
+              <a:t>Práctica</a:t>
+            </a:r>
+            <a:endParaRPr lang="en-US" b="1" dirty="0"/>
+          </a:p>
+        </p:txBody>
+      </p:sp>
+      <p:sp>
+        <p:nvSpPr>
+          <p:cNvPr id="3" name="Marcador de contenido 2">
+            <a:extLst>
+              <a:ext uri="{FF2B5EF4-FFF2-40B4-BE49-F238E27FC236}">
+                <a16:creationId xmlns:a16="http://schemas.microsoft.com/office/drawing/2014/main" id="{F21ABC57-F1DA-CCC1-FFC2-D4F7D638402E}"/>
+              </a:ext>
+            </a:extLst>
+          </p:cNvPr>
+          <p:cNvSpPr>
+            <a:spLocks noGrp="1"/>
+          </p:cNvSpPr>
+          <p:nvPr>
+            <p:ph idx="1"/>
+          </p:nvPr>
+        </p:nvSpPr>
+        <p:spPr/>
+        <p:txBody>
+          <a:bodyPr/>
+          <a:lstStyle/>
+          <a:p>
+            <a:pPr lvl="0"/>
+            <a:r>
+              <a:rPr lang="es-ES" dirty="0"/>
+              <a:t>Crear componente </a:t>
+            </a:r>
+            <a:r>
+              <a:rPr lang="es-ES" dirty="0" err="1"/>
+              <a:t>Greeting</a:t>
+            </a:r>
+            <a:r>
+              <a:rPr lang="es-ES" dirty="0"/>
+              <a:t> personalizado con nombre y mensaje.</a:t>
+            </a:r>
+          </a:p>
+          <a:p>
+            <a:pPr lvl="0"/>
+            <a:endParaRPr lang="es-ES" dirty="0"/>
+          </a:p>
+          <a:p>
+            <a:pPr lvl="0"/>
+            <a:r>
+              <a:rPr lang="en-US" dirty="0" err="1"/>
+              <a:t>Preguntas</a:t>
+            </a:r>
+            <a:r>
+              <a:rPr lang="en-US" dirty="0"/>
+              <a:t> de </a:t>
+            </a:r>
+            <a:r>
+              <a:rPr lang="en-US" dirty="0" err="1"/>
+              <a:t>Comprensión</a:t>
+            </a:r>
+            <a:r>
+              <a:rPr lang="en-US" dirty="0"/>
+              <a:t>: </a:t>
+            </a:r>
+          </a:p>
+          <a:p>
+            <a:pPr lvl="1"/>
+            <a:r>
+              <a:rPr lang="en-US" dirty="0"/>
+              <a:t>¿</a:t>
+            </a:r>
+            <a:r>
+              <a:rPr lang="en-US" dirty="0" err="1"/>
+              <a:t>Qué</a:t>
+            </a:r>
+            <a:r>
+              <a:rPr lang="en-US" dirty="0"/>
+              <a:t> </a:t>
+            </a:r>
+            <a:r>
+              <a:rPr lang="en-US" dirty="0" err="1"/>
+              <a:t>transpila</a:t>
+            </a:r>
+            <a:r>
+              <a:rPr lang="en-US" dirty="0"/>
+              <a:t> JSX?</a:t>
+            </a:r>
+          </a:p>
+          <a:p>
+            <a:pPr lvl="1"/>
+            <a:r>
+              <a:rPr lang="es-ES" dirty="0"/>
+              <a:t>¿Por qué usar componentes funcionales?</a:t>
+            </a:r>
+            <a:endParaRPr lang="en-US" dirty="0"/>
+          </a:p>
+          <a:p>
+            <a:pPr lvl="1"/>
+            <a:r>
+              <a:rPr lang="en-US" dirty="0"/>
+              <a:t>¿</a:t>
+            </a:r>
+            <a:r>
+              <a:rPr lang="en-US" dirty="0" err="1"/>
+              <a:t>Qué</a:t>
+            </a:r>
+            <a:r>
+              <a:rPr lang="en-US" dirty="0"/>
+              <a:t> es un </a:t>
+            </a:r>
+            <a:r>
+              <a:rPr lang="en-US" dirty="0" err="1"/>
+              <a:t>fragmento</a:t>
+            </a:r>
+            <a:r>
+              <a:rPr lang="en-US" dirty="0"/>
+              <a:t>?</a:t>
+            </a:r>
+          </a:p>
+          <a:p>
+            <a:pPr lvl="0"/>
+            <a:endParaRPr lang="en-US" dirty="0"/>
+          </a:p>
+        </p:txBody>
+      </p:sp>
+      <p:pic>
+        <p:nvPicPr>
+          <p:cNvPr id="4" name="Imagen 3" descr="Logotipo&#10;&#10;Descripción generada automáticamente">
+            <a:extLst>
+              <a:ext uri="{FF2B5EF4-FFF2-40B4-BE49-F238E27FC236}">
+                <a16:creationId xmlns:a16="http://schemas.microsoft.com/office/drawing/2014/main" id="{8490B8CF-6960-944C-5074-BE7AB4F3D769}"/>
+              </a:ext>
+            </a:extLst>
+          </p:cNvPr>
+          <p:cNvPicPr>
+            <a:picLocks noChangeAspect="1"/>
+          </p:cNvPicPr>
+          <p:nvPr/>
+        </p:nvPicPr>
+        <p:blipFill>
+          <a:blip r:embed="rId3">
+            <a:extLst>
+              <a:ext uri="{28A0092B-C50C-407E-A947-70E740481C1C}">
+                <a14:useLocalDpi xmlns:a14="http://schemas.microsoft.com/office/drawing/2010/main" val="0"/>
+              </a:ext>
+            </a:extLst>
+          </a:blip>
+          <a:stretch>
+            <a:fillRect/>
+          </a:stretch>
+        </p:blipFill>
+        <p:spPr>
+          <a:xfrm>
+            <a:off x="0" y="5764617"/>
+            <a:ext cx="1735528" cy="1093383"/>
+          </a:xfrm>
+          <a:prstGeom prst="rect">
+            <a:avLst/>
+          </a:prstGeom>
+        </p:spPr>
+      </p:pic>
+      <p:sp>
+        <p:nvSpPr>
+          <p:cNvPr id="6" name="CuadroTexto 5">
+            <a:extLst>
+              <a:ext uri="{FF2B5EF4-FFF2-40B4-BE49-F238E27FC236}">
+                <a16:creationId xmlns:a16="http://schemas.microsoft.com/office/drawing/2014/main" id="{DEA41477-C01D-7641-1FF8-DE9C5A9C7EE2}"/>
+              </a:ext>
+            </a:extLst>
+          </p:cNvPr>
+          <p:cNvSpPr txBox="1"/>
+          <p:nvPr/>
+        </p:nvSpPr>
+        <p:spPr>
+          <a:xfrm>
+            <a:off x="9054058" y="6488668"/>
+            <a:ext cx="3137941" cy="369332"/>
+          </a:xfrm>
+          <a:prstGeom prst="rect">
+            <a:avLst/>
+          </a:prstGeom>
+          <a:noFill/>
+        </p:spPr>
+        <p:txBody>
+          <a:bodyPr wrap="square" rtlCol="0">
+            <a:spAutoFit/>
+          </a:bodyPr>
+          <a:lstStyle/>
+          <a:p>
+            <a:pPr algn="ctr"/>
+            <a:r>
+              <a:rPr lang="es-ES" dirty="0">
+                <a:solidFill>
+                  <a:schemeClr val="tx2">
+                    <a:lumMod val="75000"/>
+                    <a:lumOff val="25000"/>
+                  </a:schemeClr>
+                </a:solidFill>
+              </a:rPr>
+              <a:t>Fundamentos de </a:t>
+            </a:r>
+            <a:r>
+              <a:rPr lang="es-ES" dirty="0" err="1">
+                <a:solidFill>
+                  <a:schemeClr val="tx2">
+                    <a:lumMod val="75000"/>
+                    <a:lumOff val="25000"/>
+                  </a:schemeClr>
+                </a:solidFill>
+              </a:rPr>
+              <a:t>React</a:t>
+            </a:r>
+            <a:endParaRPr lang="es-ES" dirty="0">
+              <a:solidFill>
+                <a:schemeClr val="tx2">
+                  <a:lumMod val="75000"/>
+                  <a:lumOff val="25000"/>
+                </a:schemeClr>
+              </a:solidFill>
+            </a:endParaRPr>
+          </a:p>
+        </p:txBody>
+      </p:sp>
+    </p:spTree>
+    <p:extLst>
+      <p:ext uri="{BB962C8B-B14F-4D97-AF65-F5344CB8AC3E}">
+        <p14:creationId xmlns:p14="http://schemas.microsoft.com/office/powerpoint/2010/main" val="2181362529"/>
+      </p:ext>
+    </p:extLst>
+  </p:cSld>
+  <p:clrMapOvr>
+    <a:masterClrMapping/>
+  </p:clrMapOvr>
+</p:sld>
+</file>
+
+<file path=ppt/slides/slide11.xml><?xml version="1.0" encoding="utf-8"?>
+<p:sld xmlns:a="http://schemas.openxmlformats.org/drawingml/2006/main" xmlns:r="http://schemas.openxmlformats.org/officeDocument/2006/relationships" xmlns:p="http://schemas.openxmlformats.org/presentationml/2006/main">
+  <p:cSld>
+    <p:spTree>
+      <p:nvGrpSpPr>
+        <p:cNvPr id="1" name="">
+          <a:extLst>
+            <a:ext uri="{FF2B5EF4-FFF2-40B4-BE49-F238E27FC236}">
+              <a16:creationId xmlns:a16="http://schemas.microsoft.com/office/drawing/2014/main" id="{6A8A3876-90AB-EA93-9490-7E70E57ED573}"/>
+            </a:ext>
+          </a:extLst>
+        </p:cNvPr>
+        <p:cNvGrpSpPr/>
+        <p:nvPr/>
+      </p:nvGrpSpPr>
+      <p:grpSpPr>
+        <a:xfrm>
+          <a:off x="0" y="0"/>
+          <a:ext cx="0" cy="0"/>
+          <a:chOff x="0" y="0"/>
+          <a:chExt cx="0" cy="0"/>
+        </a:xfrm>
+      </p:grpSpPr>
+      <p:pic>
+        <p:nvPicPr>
+          <p:cNvPr id="5" name="Imagen 4">
+            <a:extLst>
+              <a:ext uri="{FF2B5EF4-FFF2-40B4-BE49-F238E27FC236}">
+                <a16:creationId xmlns:a16="http://schemas.microsoft.com/office/drawing/2014/main" id="{0CBED196-0E1B-0F84-E682-3D4F5CB747A8}"/>
+              </a:ext>
+            </a:extLst>
+          </p:cNvPr>
+          <p:cNvPicPr>
+            <a:picLocks noChangeAspect="1"/>
+          </p:cNvPicPr>
+          <p:nvPr/>
+        </p:nvPicPr>
+        <p:blipFill>
+          <a:blip r:embed="rId2">
+            <a:alphaModFix amt="5000"/>
+          </a:blip>
+          <a:stretch>
+            <a:fillRect/>
+          </a:stretch>
+        </p:blipFill>
+        <p:spPr>
+          <a:xfrm>
+            <a:off x="0" y="-16418"/>
+            <a:ext cx="12192000" cy="6874418"/>
+          </a:xfrm>
+          <a:prstGeom prst="rect">
+            <a:avLst/>
+          </a:prstGeom>
+        </p:spPr>
+      </p:pic>
+      <p:sp>
+        <p:nvSpPr>
+          <p:cNvPr id="2" name="Título 1">
+            <a:extLst>
+              <a:ext uri="{FF2B5EF4-FFF2-40B4-BE49-F238E27FC236}">
+                <a16:creationId xmlns:a16="http://schemas.microsoft.com/office/drawing/2014/main" id="{984F5673-2E7D-7229-FEEF-C362E290570C}"/>
+              </a:ext>
+            </a:extLst>
+          </p:cNvPr>
+          <p:cNvSpPr>
+            <a:spLocks noGrp="1"/>
+          </p:cNvSpPr>
+          <p:nvPr>
+            <p:ph type="title"/>
+          </p:nvPr>
+        </p:nvSpPr>
+        <p:spPr/>
+        <p:txBody>
+          <a:bodyPr/>
+          <a:lstStyle/>
+          <a:p>
+            <a:br>
+              <a:rPr lang="en-US" dirty="0"/>
+            </a:br>
+            <a:r>
+              <a:rPr lang="en-US" b="1" dirty="0"/>
+              <a:t>Reglas para {}</a:t>
+            </a:r>
+            <a:r>
+              <a:rPr lang="en-US" dirty="0"/>
+              <a:t>: </a:t>
+            </a:r>
+          </a:p>
+        </p:txBody>
+      </p:sp>
+      <p:sp>
+        <p:nvSpPr>
+          <p:cNvPr id="3" name="Marcador de contenido 2">
+            <a:extLst>
+              <a:ext uri="{FF2B5EF4-FFF2-40B4-BE49-F238E27FC236}">
+                <a16:creationId xmlns:a16="http://schemas.microsoft.com/office/drawing/2014/main" id="{993FBCAE-912D-87D3-6157-A8E11D3275DF}"/>
+              </a:ext>
+            </a:extLst>
+          </p:cNvPr>
+          <p:cNvSpPr>
+            <a:spLocks noGrp="1"/>
+          </p:cNvSpPr>
+          <p:nvPr>
+            <p:ph idx="1"/>
+          </p:nvPr>
+        </p:nvSpPr>
+        <p:spPr/>
+        <p:txBody>
+          <a:bodyPr>
+            <a:normAutofit/>
+          </a:bodyPr>
+          <a:lstStyle/>
+          <a:p>
+            <a:endParaRPr lang="en-US" dirty="0"/>
+          </a:p>
+          <a:p>
+            <a:pPr lvl="1"/>
+            <a:r>
+              <a:rPr lang="es-ES" dirty="0"/>
+              <a:t>Solo expresiones (no bloques como </a:t>
+            </a:r>
+            <a:r>
+              <a:rPr lang="es-ES" dirty="0" err="1"/>
+              <a:t>if</a:t>
+            </a:r>
+            <a:r>
+              <a:rPr lang="es-ES" dirty="0"/>
+              <a:t> o </a:t>
+            </a:r>
+            <a:r>
+              <a:rPr lang="es-ES" dirty="0" err="1"/>
+              <a:t>for</a:t>
+            </a:r>
+            <a:r>
+              <a:rPr lang="es-ES" dirty="0"/>
+              <a:t>). </a:t>
+            </a:r>
+            <a:endParaRPr lang="en-US" dirty="0"/>
+          </a:p>
+          <a:p>
+            <a:pPr lvl="1"/>
+            <a:r>
+              <a:rPr lang="es-ES" dirty="0"/>
+              <a:t>Ejemplo válido: {user.name || 'Anónimo'}. </a:t>
+            </a:r>
+            <a:endParaRPr lang="en-US" dirty="0"/>
+          </a:p>
+          <a:p>
+            <a:pPr lvl="1"/>
+            <a:r>
+              <a:rPr lang="es-ES" dirty="0"/>
+              <a:t>Ejemplo inválido: {</a:t>
+            </a:r>
+            <a:r>
+              <a:rPr lang="es-ES" dirty="0" err="1"/>
+              <a:t>if</a:t>
+            </a:r>
+            <a:r>
+              <a:rPr lang="es-ES" dirty="0"/>
+              <a:t> (</a:t>
+            </a:r>
+            <a:r>
+              <a:rPr lang="es-ES" dirty="0" err="1"/>
+              <a:t>user</a:t>
+            </a:r>
+            <a:r>
+              <a:rPr lang="es-ES" dirty="0"/>
+              <a:t>) { user.name }}.</a:t>
+            </a:r>
+          </a:p>
+          <a:p>
+            <a:pPr lvl="1"/>
+            <a:endParaRPr lang="en-US" dirty="0"/>
+          </a:p>
+          <a:p>
+            <a:pPr lvl="2"/>
+            <a:r>
+              <a:rPr lang="es-ES" b="1" dirty="0"/>
+              <a:t>Caso Real</a:t>
+            </a:r>
+            <a:r>
+              <a:rPr lang="es-ES" dirty="0"/>
+              <a:t>: En Amazon, JSX renderiza precios dinámicos con {</a:t>
+            </a:r>
+            <a:r>
+              <a:rPr lang="es-ES" dirty="0" err="1"/>
+              <a:t>product.price.toFixed</a:t>
+            </a:r>
+            <a:r>
+              <a:rPr lang="es-ES" dirty="0"/>
+              <a:t>(2)}. </a:t>
+            </a:r>
+          </a:p>
+          <a:p>
+            <a:pPr lvl="2"/>
+            <a:endParaRPr lang="en-US" dirty="0"/>
+          </a:p>
+          <a:p>
+            <a:pPr lvl="2"/>
+            <a:r>
+              <a:rPr lang="es-ES" b="1" dirty="0"/>
+              <a:t>Pregunta para Entrevistas</a:t>
+            </a:r>
+            <a:r>
+              <a:rPr lang="es-ES" dirty="0"/>
+              <a:t>: ¿Cómo manejarías lógica condicional en JSX?</a:t>
+            </a:r>
+            <a:endParaRPr lang="en-US" dirty="0"/>
+          </a:p>
+        </p:txBody>
+      </p:sp>
+      <p:pic>
+        <p:nvPicPr>
+          <p:cNvPr id="4" name="Imagen 3" descr="Logotipo&#10;&#10;Descripción generada automáticamente">
+            <a:extLst>
+              <a:ext uri="{FF2B5EF4-FFF2-40B4-BE49-F238E27FC236}">
+                <a16:creationId xmlns:a16="http://schemas.microsoft.com/office/drawing/2014/main" id="{AC0AD681-558A-C73E-5D8E-394A3BA304B2}"/>
+              </a:ext>
+            </a:extLst>
+          </p:cNvPr>
+          <p:cNvPicPr>
+            <a:picLocks noChangeAspect="1"/>
+          </p:cNvPicPr>
+          <p:nvPr/>
+        </p:nvPicPr>
+        <p:blipFill>
+          <a:blip r:embed="rId3">
+            <a:extLst>
+              <a:ext uri="{28A0092B-C50C-407E-A947-70E740481C1C}">
+                <a14:useLocalDpi xmlns:a14="http://schemas.microsoft.com/office/drawing/2010/main" val="0"/>
+              </a:ext>
+            </a:extLst>
+          </a:blip>
+          <a:stretch>
+            <a:fillRect/>
+          </a:stretch>
+        </p:blipFill>
+        <p:spPr>
+          <a:xfrm>
+            <a:off x="0" y="5764617"/>
+            <a:ext cx="1735528" cy="1093383"/>
+          </a:xfrm>
+          <a:prstGeom prst="rect">
+            <a:avLst/>
+          </a:prstGeom>
+        </p:spPr>
+      </p:pic>
+      <p:sp>
+        <p:nvSpPr>
+          <p:cNvPr id="6" name="CuadroTexto 5">
+            <a:extLst>
+              <a:ext uri="{FF2B5EF4-FFF2-40B4-BE49-F238E27FC236}">
+                <a16:creationId xmlns:a16="http://schemas.microsoft.com/office/drawing/2014/main" id="{6F44D96A-FD5D-F92C-584F-EB93AD22B121}"/>
+              </a:ext>
+            </a:extLst>
+          </p:cNvPr>
+          <p:cNvSpPr txBox="1"/>
+          <p:nvPr/>
+        </p:nvSpPr>
+        <p:spPr>
+          <a:xfrm>
+            <a:off x="9054058" y="6488668"/>
+            <a:ext cx="3137941" cy="369332"/>
+          </a:xfrm>
+          <a:prstGeom prst="rect">
+            <a:avLst/>
+          </a:prstGeom>
+          <a:noFill/>
+        </p:spPr>
+        <p:txBody>
+          <a:bodyPr wrap="square" rtlCol="0">
+            <a:spAutoFit/>
+          </a:bodyPr>
+          <a:lstStyle/>
+          <a:p>
+            <a:pPr algn="ctr"/>
+            <a:r>
+              <a:rPr lang="es-ES" dirty="0">
+                <a:solidFill>
+                  <a:schemeClr val="tx2">
+                    <a:lumMod val="75000"/>
+                    <a:lumOff val="25000"/>
+                  </a:schemeClr>
+                </a:solidFill>
+              </a:rPr>
+              <a:t>Fundamentos de </a:t>
+            </a:r>
+            <a:r>
+              <a:rPr lang="es-ES" dirty="0" err="1">
+                <a:solidFill>
+                  <a:schemeClr val="tx2">
+                    <a:lumMod val="75000"/>
+                    <a:lumOff val="25000"/>
+                  </a:schemeClr>
+                </a:solidFill>
+              </a:rPr>
+              <a:t>React</a:t>
+            </a:r>
+            <a:endParaRPr lang="es-ES" dirty="0">
+              <a:solidFill>
+                <a:schemeClr val="tx2">
+                  <a:lumMod val="75000"/>
+                  <a:lumOff val="25000"/>
+                </a:schemeClr>
+              </a:solidFill>
+            </a:endParaRPr>
+          </a:p>
+        </p:txBody>
+      </p:sp>
+    </p:spTree>
+    <p:extLst>
+      <p:ext uri="{BB962C8B-B14F-4D97-AF65-F5344CB8AC3E}">
+        <p14:creationId xmlns:p14="http://schemas.microsoft.com/office/powerpoint/2010/main" val="2658477514"/>
+      </p:ext>
+    </p:extLst>
+  </p:cSld>
+  <p:clrMapOvr>
+    <a:masterClrMapping/>
+  </p:clrMapOvr>
+</p:sld>
+</file>
+
+<file path=ppt/slides/slide12.xml><?xml version="1.0" encoding="utf-8"?>
+<p:sld xmlns:a="http://schemas.openxmlformats.org/drawingml/2006/main" xmlns:r="http://schemas.openxmlformats.org/officeDocument/2006/relationships" xmlns:p="http://schemas.openxmlformats.org/presentationml/2006/main">
+  <p:cSld>
+    <p:spTree>
+      <p:nvGrpSpPr>
+        <p:cNvPr id="1" name="">
+          <a:extLst>
+            <a:ext uri="{FF2B5EF4-FFF2-40B4-BE49-F238E27FC236}">
+              <a16:creationId xmlns:a16="http://schemas.microsoft.com/office/drawing/2014/main" id="{5A71A89B-47BF-F96A-04F5-C53F17B439C6}"/>
+            </a:ext>
+          </a:extLst>
+        </p:cNvPr>
+        <p:cNvGrpSpPr/>
+        <p:nvPr/>
+      </p:nvGrpSpPr>
+      <p:grpSpPr>
+        <a:xfrm>
+          <a:off x="0" y="0"/>
+          <a:ext cx="0" cy="0"/>
+          <a:chOff x="0" y="0"/>
+          <a:chExt cx="0" cy="0"/>
+        </a:xfrm>
+      </p:grpSpPr>
+      <p:pic>
+        <p:nvPicPr>
+          <p:cNvPr id="5" name="Imagen 4">
+            <a:extLst>
+              <a:ext uri="{FF2B5EF4-FFF2-40B4-BE49-F238E27FC236}">
+                <a16:creationId xmlns:a16="http://schemas.microsoft.com/office/drawing/2014/main" id="{04983E93-522F-7CA1-EB0F-795582786821}"/>
+              </a:ext>
+            </a:extLst>
+          </p:cNvPr>
+          <p:cNvPicPr>
+            <a:picLocks noChangeAspect="1"/>
+          </p:cNvPicPr>
+          <p:nvPr/>
+        </p:nvPicPr>
+        <p:blipFill>
+          <a:blip r:embed="rId2">
+            <a:alphaModFix amt="5000"/>
+          </a:blip>
+          <a:stretch>
+            <a:fillRect/>
+          </a:stretch>
+        </p:blipFill>
+        <p:spPr>
+          <a:xfrm>
+            <a:off x="0" y="-16418"/>
+            <a:ext cx="12192000" cy="6874418"/>
+          </a:xfrm>
+          <a:prstGeom prst="rect">
+            <a:avLst/>
+          </a:prstGeom>
+        </p:spPr>
+      </p:pic>
+      <p:sp>
+        <p:nvSpPr>
+          <p:cNvPr id="2" name="Título 1">
+            <a:extLst>
+              <a:ext uri="{FF2B5EF4-FFF2-40B4-BE49-F238E27FC236}">
+                <a16:creationId xmlns:a16="http://schemas.microsoft.com/office/drawing/2014/main" id="{FB6EA309-8BB7-CA69-CF40-6369027D69CB}"/>
+              </a:ext>
+            </a:extLst>
+          </p:cNvPr>
+          <p:cNvSpPr>
+            <a:spLocks noGrp="1"/>
+          </p:cNvSpPr>
+          <p:nvPr>
+            <p:ph type="title"/>
+          </p:nvPr>
+        </p:nvSpPr>
+        <p:spPr/>
+        <p:txBody>
+          <a:bodyPr/>
+          <a:lstStyle/>
+          <a:p>
+            <a:r>
+              <a:rPr lang="en-US" b="1" dirty="0" err="1"/>
+              <a:t>Práctica</a:t>
+            </a:r>
+            <a:r>
+              <a:rPr lang="en-US" b="1" dirty="0"/>
+              <a:t> </a:t>
+            </a:r>
+            <a:r>
+              <a:rPr lang="en-US" b="1" dirty="0" err="1"/>
+              <a:t>Guiada</a:t>
+            </a:r>
+            <a:r>
+              <a:rPr lang="en-US" dirty="0"/>
+              <a:t> </a:t>
+            </a:r>
+          </a:p>
+        </p:txBody>
+      </p:sp>
+      <p:sp>
+        <p:nvSpPr>
+          <p:cNvPr id="3" name="Marcador de contenido 2">
+            <a:extLst>
+              <a:ext uri="{FF2B5EF4-FFF2-40B4-BE49-F238E27FC236}">
+                <a16:creationId xmlns:a16="http://schemas.microsoft.com/office/drawing/2014/main" id="{01D04F04-3619-DAED-A6B9-6E32492514A7}"/>
+              </a:ext>
+            </a:extLst>
+          </p:cNvPr>
+          <p:cNvSpPr>
+            <a:spLocks noGrp="1"/>
+          </p:cNvSpPr>
+          <p:nvPr>
+            <p:ph idx="1"/>
+          </p:nvPr>
+        </p:nvSpPr>
+        <p:spPr/>
+        <p:txBody>
+          <a:bodyPr>
+            <a:normAutofit/>
+          </a:bodyPr>
+          <a:lstStyle/>
+          <a:p>
+            <a:endParaRPr lang="en-US" dirty="0"/>
+          </a:p>
+          <a:p>
+            <a:pPr lvl="1"/>
+            <a:r>
+              <a:rPr lang="es-ES" b="1" dirty="0"/>
+              <a:t>Ejercicio</a:t>
+            </a:r>
+            <a:r>
+              <a:rPr lang="es-ES" dirty="0"/>
+              <a:t>: Crear un componente </a:t>
+            </a:r>
+            <a:r>
+              <a:rPr lang="es-ES" dirty="0" err="1"/>
+              <a:t>Greeting</a:t>
+            </a:r>
+            <a:r>
+              <a:rPr lang="es-ES" dirty="0"/>
+              <a:t> personalizado con JSX. </a:t>
+            </a:r>
+            <a:endParaRPr lang="en-US" dirty="0"/>
+          </a:p>
+          <a:p>
+            <a:pPr lvl="1"/>
+            <a:r>
+              <a:rPr lang="en-US" b="1" dirty="0"/>
+              <a:t>Pasos</a:t>
+            </a:r>
+            <a:r>
+              <a:rPr lang="en-US" dirty="0"/>
+              <a:t>: </a:t>
+            </a:r>
+          </a:p>
+          <a:p>
+            <a:pPr lvl="2"/>
+            <a:r>
+              <a:rPr lang="es-ES" dirty="0"/>
+              <a:t>Crear src/Greeting.js como componente funcional. </a:t>
+            </a:r>
+            <a:endParaRPr lang="en-US" dirty="0"/>
+          </a:p>
+          <a:p>
+            <a:pPr lvl="2"/>
+            <a:r>
+              <a:rPr lang="es-ES" dirty="0"/>
+              <a:t>Usar JSX con una variable dinámica (ej. nombre del estudiante). </a:t>
+            </a:r>
+            <a:endParaRPr lang="en-US" dirty="0"/>
+          </a:p>
+          <a:p>
+            <a:pPr lvl="2"/>
+            <a:r>
+              <a:rPr lang="es-ES" dirty="0"/>
+              <a:t>Incluir un condicional en JSX (ej. mostrar un mensaje según el día). </a:t>
+            </a:r>
+            <a:endParaRPr lang="en-US" dirty="0"/>
+          </a:p>
+          <a:p>
+            <a:pPr lvl="2"/>
+            <a:r>
+              <a:rPr lang="es-ES" dirty="0"/>
+              <a:t>Importar y renderizar en App.js.</a:t>
+            </a:r>
+            <a:endParaRPr lang="en-US" dirty="0"/>
+          </a:p>
+        </p:txBody>
+      </p:sp>
+      <p:pic>
+        <p:nvPicPr>
+          <p:cNvPr id="4" name="Imagen 3" descr="Logotipo&#10;&#10;Descripción generada automáticamente">
+            <a:extLst>
+              <a:ext uri="{FF2B5EF4-FFF2-40B4-BE49-F238E27FC236}">
+                <a16:creationId xmlns:a16="http://schemas.microsoft.com/office/drawing/2014/main" id="{5DA9A972-ABFF-DA59-F9D0-5AD901FB6FD6}"/>
+              </a:ext>
+            </a:extLst>
+          </p:cNvPr>
+          <p:cNvPicPr>
+            <a:picLocks noChangeAspect="1"/>
+          </p:cNvPicPr>
+          <p:nvPr/>
+        </p:nvPicPr>
+        <p:blipFill>
+          <a:blip r:embed="rId3">
+            <a:extLst>
+              <a:ext uri="{28A0092B-C50C-407E-A947-70E740481C1C}">
+                <a14:useLocalDpi xmlns:a14="http://schemas.microsoft.com/office/drawing/2010/main" val="0"/>
+              </a:ext>
+            </a:extLst>
+          </a:blip>
+          <a:stretch>
+            <a:fillRect/>
+          </a:stretch>
+        </p:blipFill>
+        <p:spPr>
+          <a:xfrm>
+            <a:off x="0" y="5764617"/>
+            <a:ext cx="1735528" cy="1093383"/>
+          </a:xfrm>
+          <a:prstGeom prst="rect">
+            <a:avLst/>
+          </a:prstGeom>
+        </p:spPr>
+      </p:pic>
+      <p:sp>
+        <p:nvSpPr>
+          <p:cNvPr id="6" name="CuadroTexto 5">
+            <a:extLst>
+              <a:ext uri="{FF2B5EF4-FFF2-40B4-BE49-F238E27FC236}">
+                <a16:creationId xmlns:a16="http://schemas.microsoft.com/office/drawing/2014/main" id="{26C0C8C0-30B4-DA3B-F031-7A6926F887C7}"/>
+              </a:ext>
+            </a:extLst>
+          </p:cNvPr>
+          <p:cNvSpPr txBox="1"/>
+          <p:nvPr/>
+        </p:nvSpPr>
+        <p:spPr>
+          <a:xfrm>
+            <a:off x="9054058" y="6488668"/>
+            <a:ext cx="3137941" cy="369332"/>
+          </a:xfrm>
+          <a:prstGeom prst="rect">
+            <a:avLst/>
+          </a:prstGeom>
+          <a:noFill/>
+        </p:spPr>
+        <p:txBody>
+          <a:bodyPr wrap="square" rtlCol="0">
+            <a:spAutoFit/>
+          </a:bodyPr>
+          <a:lstStyle/>
+          <a:p>
+            <a:pPr algn="ctr"/>
+            <a:r>
+              <a:rPr lang="es-ES" dirty="0">
+                <a:solidFill>
+                  <a:schemeClr val="tx2">
+                    <a:lumMod val="75000"/>
+                    <a:lumOff val="25000"/>
+                  </a:schemeClr>
+                </a:solidFill>
+              </a:rPr>
+              <a:t>Fundamentos de </a:t>
+            </a:r>
+            <a:r>
+              <a:rPr lang="es-ES" dirty="0" err="1">
+                <a:solidFill>
+                  <a:schemeClr val="tx2">
+                    <a:lumMod val="75000"/>
+                    <a:lumOff val="25000"/>
+                  </a:schemeClr>
+                </a:solidFill>
+              </a:rPr>
+              <a:t>React</a:t>
+            </a:r>
+            <a:endParaRPr lang="es-ES" dirty="0">
+              <a:solidFill>
+                <a:schemeClr val="tx2">
+                  <a:lumMod val="75000"/>
+                  <a:lumOff val="25000"/>
+                </a:schemeClr>
+              </a:solidFill>
+            </a:endParaRPr>
+          </a:p>
+        </p:txBody>
+      </p:sp>
+    </p:spTree>
+    <p:extLst>
+      <p:ext uri="{BB962C8B-B14F-4D97-AF65-F5344CB8AC3E}">
+        <p14:creationId xmlns:p14="http://schemas.microsoft.com/office/powerpoint/2010/main" val="814059234"/>
+      </p:ext>
+    </p:extLst>
+  </p:cSld>
+  <p:clrMapOvr>
+    <a:masterClrMapping/>
+  </p:clrMapOvr>
+</p:sld>
+</file>
+
+<file path=ppt/slides/slide13.xml><?xml version="1.0" encoding="utf-8"?>
+<p:sld xmlns:a="http://schemas.openxmlformats.org/drawingml/2006/main" xmlns:r="http://schemas.openxmlformats.org/officeDocument/2006/relationships" xmlns:p="http://schemas.openxmlformats.org/presentationml/2006/main">
+  <p:cSld>
+    <p:spTree>
+      <p:nvGrpSpPr>
+        <p:cNvPr id="1" name="">
+          <a:extLst>
+            <a:ext uri="{FF2B5EF4-FFF2-40B4-BE49-F238E27FC236}">
+              <a16:creationId xmlns:a16="http://schemas.microsoft.com/office/drawing/2014/main" id="{C07E4AAA-2D02-059A-8A89-E6B68E9EDFAD}"/>
+            </a:ext>
+          </a:extLst>
+        </p:cNvPr>
+        <p:cNvGrpSpPr/>
+        <p:nvPr/>
+      </p:nvGrpSpPr>
+      <p:grpSpPr>
+        <a:xfrm>
+          <a:off x="0" y="0"/>
+          <a:ext cx="0" cy="0"/>
+          <a:chOff x="0" y="0"/>
+          <a:chExt cx="0" cy="0"/>
+        </a:xfrm>
+      </p:grpSpPr>
+      <p:pic>
+        <p:nvPicPr>
+          <p:cNvPr id="5" name="Imagen 4">
+            <a:extLst>
+              <a:ext uri="{FF2B5EF4-FFF2-40B4-BE49-F238E27FC236}">
+                <a16:creationId xmlns:a16="http://schemas.microsoft.com/office/drawing/2014/main" id="{C1029F47-5369-060A-0E3C-68A48D9B55BA}"/>
+              </a:ext>
+            </a:extLst>
+          </p:cNvPr>
+          <p:cNvPicPr>
+            <a:picLocks noChangeAspect="1"/>
+          </p:cNvPicPr>
+          <p:nvPr/>
+        </p:nvPicPr>
+        <p:blipFill>
+          <a:blip r:embed="rId2">
+            <a:alphaModFix amt="5000"/>
+          </a:blip>
+          <a:stretch>
+            <a:fillRect/>
+          </a:stretch>
+        </p:blipFill>
+        <p:spPr>
+          <a:xfrm>
+            <a:off x="0" y="-16418"/>
+            <a:ext cx="12192000" cy="6874418"/>
+          </a:xfrm>
+          <a:prstGeom prst="rect">
+            <a:avLst/>
+          </a:prstGeom>
+        </p:spPr>
+      </p:pic>
+      <p:sp>
+        <p:nvSpPr>
+          <p:cNvPr id="2" name="Título 1">
+            <a:extLst>
+              <a:ext uri="{FF2B5EF4-FFF2-40B4-BE49-F238E27FC236}">
+                <a16:creationId xmlns:a16="http://schemas.microsoft.com/office/drawing/2014/main" id="{A9F02894-C7DA-F42F-224F-AC01A529CFBB}"/>
+              </a:ext>
+            </a:extLst>
+          </p:cNvPr>
+          <p:cNvSpPr>
+            <a:spLocks noGrp="1"/>
+          </p:cNvSpPr>
+          <p:nvPr>
+            <p:ph type="title"/>
+          </p:nvPr>
+        </p:nvSpPr>
+        <p:spPr/>
+        <p:txBody>
+          <a:bodyPr/>
+          <a:lstStyle/>
+          <a:p>
+            <a:r>
+              <a:rPr lang="en-US" b="1" dirty="0" err="1"/>
+              <a:t>Práctica</a:t>
+            </a:r>
+            <a:r>
+              <a:rPr lang="en-US" b="1" dirty="0"/>
+              <a:t> </a:t>
+            </a:r>
+            <a:r>
+              <a:rPr lang="en-US" b="1" dirty="0" err="1"/>
+              <a:t>Guiada</a:t>
+            </a:r>
+            <a:r>
+              <a:rPr lang="en-US" dirty="0"/>
+              <a:t> </a:t>
+            </a:r>
+          </a:p>
+        </p:txBody>
+      </p:sp>
+      <p:sp>
+        <p:nvSpPr>
+          <p:cNvPr id="3" name="Marcador de contenido 2">
+            <a:extLst>
+              <a:ext uri="{FF2B5EF4-FFF2-40B4-BE49-F238E27FC236}">
+                <a16:creationId xmlns:a16="http://schemas.microsoft.com/office/drawing/2014/main" id="{D5630343-340F-CFF7-7D18-2DF4F36A7DF0}"/>
+              </a:ext>
+            </a:extLst>
+          </p:cNvPr>
+          <p:cNvSpPr>
+            <a:spLocks noGrp="1"/>
+          </p:cNvSpPr>
+          <p:nvPr>
+            <p:ph idx="1"/>
+          </p:nvPr>
+        </p:nvSpPr>
+        <p:spPr/>
+        <p:txBody>
+          <a:bodyPr>
+            <a:normAutofit fontScale="32500" lnSpcReduction="20000"/>
+          </a:bodyPr>
+          <a:lstStyle/>
+          <a:p>
+            <a:endParaRPr lang="en-US" dirty="0"/>
+          </a:p>
+          <a:p>
+            <a:pPr lvl="1"/>
+            <a:r>
+              <a:rPr lang="en-US" dirty="0"/>
+              <a:t>// </a:t>
+            </a:r>
+            <a:r>
+              <a:rPr lang="en-US" dirty="0" err="1"/>
+              <a:t>src</a:t>
+            </a:r>
+            <a:r>
+              <a:rPr lang="en-US" dirty="0"/>
+              <a:t>/Greeting.js</a:t>
+            </a:r>
+          </a:p>
+          <a:p>
+            <a:pPr lvl="1"/>
+            <a:r>
+              <a:rPr lang="en-US" dirty="0"/>
+              <a:t>import React from 'react';</a:t>
+            </a:r>
+          </a:p>
+          <a:p>
+            <a:pPr lvl="1"/>
+            <a:r>
+              <a:rPr lang="en-US" dirty="0"/>
+              <a:t>function Greeting() {</a:t>
+            </a:r>
+          </a:p>
+          <a:p>
+            <a:pPr lvl="1"/>
+            <a:r>
+              <a:rPr lang="en-US" dirty="0"/>
+              <a:t>  const name = "Javier y Naomy";</a:t>
+            </a:r>
+          </a:p>
+          <a:p>
+            <a:pPr lvl="1"/>
+            <a:r>
+              <a:rPr lang="en-US" dirty="0"/>
+              <a:t>  const </a:t>
+            </a:r>
+            <a:r>
+              <a:rPr lang="en-US" dirty="0" err="1"/>
+              <a:t>isFirstDay</a:t>
+            </a:r>
+            <a:r>
+              <a:rPr lang="en-US" dirty="0"/>
+              <a:t> = true;</a:t>
+            </a:r>
+          </a:p>
+          <a:p>
+            <a:pPr lvl="1"/>
+            <a:r>
+              <a:rPr lang="en-US" dirty="0"/>
+              <a:t>  return (</a:t>
+            </a:r>
+          </a:p>
+          <a:p>
+            <a:pPr lvl="1"/>
+            <a:r>
+              <a:rPr lang="en-US" dirty="0"/>
+              <a:t>    &lt;div&gt;</a:t>
+            </a:r>
+          </a:p>
+          <a:p>
+            <a:pPr lvl="1"/>
+            <a:r>
+              <a:rPr lang="en-US" dirty="0"/>
+              <a:t>      &lt;h1&gt;¡Hola, {name}!&lt;/h1&gt;</a:t>
+            </a:r>
+          </a:p>
+          <a:p>
+            <a:pPr lvl="1"/>
+            <a:r>
+              <a:rPr lang="es-ES" dirty="0"/>
+              <a:t>      &lt;p&gt;{</a:t>
+            </a:r>
+            <a:r>
+              <a:rPr lang="es-ES" dirty="0" err="1"/>
+              <a:t>isFirstDay</a:t>
+            </a:r>
+            <a:r>
+              <a:rPr lang="es-ES" dirty="0"/>
+              <a:t> ? 'Bienvenidos al primer día!' : 'Sigan aprendiendo!'}&lt;/p&gt;</a:t>
+            </a:r>
+            <a:endParaRPr lang="en-US" dirty="0"/>
+          </a:p>
+          <a:p>
+            <a:pPr lvl="1"/>
+            <a:r>
+              <a:rPr lang="es-ES" dirty="0"/>
+              <a:t>    </a:t>
+            </a:r>
+            <a:r>
+              <a:rPr lang="en-US" dirty="0"/>
+              <a:t>&lt;/div&gt;</a:t>
+            </a:r>
+          </a:p>
+          <a:p>
+            <a:pPr lvl="1"/>
+            <a:r>
+              <a:rPr lang="en-US" dirty="0"/>
+              <a:t>  );</a:t>
+            </a:r>
+          </a:p>
+          <a:p>
+            <a:pPr lvl="1"/>
+            <a:r>
+              <a:rPr lang="en-US" dirty="0"/>
+              <a:t>}</a:t>
+            </a:r>
+          </a:p>
+          <a:p>
+            <a:pPr lvl="1"/>
+            <a:r>
+              <a:rPr lang="en-US" dirty="0"/>
+              <a:t>export default Greeting;</a:t>
+            </a:r>
+          </a:p>
+          <a:p>
+            <a:pPr lvl="1"/>
+            <a:r>
+              <a:rPr lang="en-US" dirty="0"/>
+              <a:t> </a:t>
+            </a:r>
+          </a:p>
+          <a:p>
+            <a:pPr lvl="1"/>
+            <a:r>
+              <a:rPr lang="en-US" dirty="0"/>
+              <a:t>// </a:t>
+            </a:r>
+            <a:r>
+              <a:rPr lang="en-US" dirty="0" err="1"/>
+              <a:t>src</a:t>
+            </a:r>
+            <a:r>
+              <a:rPr lang="en-US" dirty="0"/>
+              <a:t>/App.js</a:t>
+            </a:r>
+          </a:p>
+          <a:p>
+            <a:pPr lvl="1"/>
+            <a:r>
+              <a:rPr lang="en-US" dirty="0"/>
+              <a:t>import React from 'react';</a:t>
+            </a:r>
+          </a:p>
+          <a:p>
+            <a:pPr lvl="1"/>
+            <a:r>
+              <a:rPr lang="en-US" dirty="0"/>
+              <a:t>import Greeting from './Greeting';</a:t>
+            </a:r>
+          </a:p>
+          <a:p>
+            <a:pPr lvl="1"/>
+            <a:r>
+              <a:rPr lang="en-US" dirty="0"/>
+              <a:t>function App() {</a:t>
+            </a:r>
+          </a:p>
+          <a:p>
+            <a:pPr lvl="1"/>
+            <a:r>
+              <a:rPr lang="en-US" dirty="0"/>
+              <a:t>  return (</a:t>
+            </a:r>
+          </a:p>
+          <a:p>
+            <a:pPr lvl="1"/>
+            <a:r>
+              <a:rPr lang="en-US" dirty="0"/>
+              <a:t>    &lt;div </a:t>
+            </a:r>
+            <a:r>
+              <a:rPr lang="en-US" dirty="0" err="1"/>
+              <a:t>className</a:t>
+            </a:r>
+            <a:r>
+              <a:rPr lang="en-US" dirty="0"/>
+              <a:t>="App"&gt;</a:t>
+            </a:r>
+          </a:p>
+          <a:p>
+            <a:pPr lvl="1"/>
+            <a:r>
+              <a:rPr lang="en-US" dirty="0"/>
+              <a:t>      &lt;Greeting /&gt;</a:t>
+            </a:r>
+          </a:p>
+          <a:p>
+            <a:pPr lvl="1"/>
+            <a:r>
+              <a:rPr lang="en-US" dirty="0"/>
+              <a:t>    &lt;/div&gt;</a:t>
+            </a:r>
+          </a:p>
+          <a:p>
+            <a:pPr lvl="1"/>
+            <a:r>
+              <a:rPr lang="en-US" dirty="0"/>
+              <a:t>  );</a:t>
+            </a:r>
+          </a:p>
+          <a:p>
+            <a:pPr lvl="1"/>
+            <a:r>
+              <a:rPr lang="en-US" dirty="0"/>
+              <a:t>}</a:t>
+            </a:r>
+          </a:p>
+          <a:p>
+            <a:pPr lvl="1"/>
+            <a:r>
+              <a:rPr lang="en-US" dirty="0"/>
+              <a:t>export default App;</a:t>
+            </a:r>
+          </a:p>
+        </p:txBody>
+      </p:sp>
+      <p:pic>
+        <p:nvPicPr>
+          <p:cNvPr id="4" name="Imagen 3" descr="Logotipo&#10;&#10;Descripción generada automáticamente">
+            <a:extLst>
+              <a:ext uri="{FF2B5EF4-FFF2-40B4-BE49-F238E27FC236}">
+                <a16:creationId xmlns:a16="http://schemas.microsoft.com/office/drawing/2014/main" id="{56B214A0-F9D1-42DA-C74C-6BAE37FF60C1}"/>
+              </a:ext>
+            </a:extLst>
+          </p:cNvPr>
+          <p:cNvPicPr>
+            <a:picLocks noChangeAspect="1"/>
+          </p:cNvPicPr>
+          <p:nvPr/>
+        </p:nvPicPr>
+        <p:blipFill>
+          <a:blip r:embed="rId3">
+            <a:extLst>
+              <a:ext uri="{28A0092B-C50C-407E-A947-70E740481C1C}">
+                <a14:useLocalDpi xmlns:a14="http://schemas.microsoft.com/office/drawing/2010/main" val="0"/>
+              </a:ext>
+            </a:extLst>
+          </a:blip>
+          <a:stretch>
+            <a:fillRect/>
+          </a:stretch>
+        </p:blipFill>
+        <p:spPr>
+          <a:xfrm>
+            <a:off x="0" y="5764617"/>
+            <a:ext cx="1735528" cy="1093383"/>
+          </a:xfrm>
+          <a:prstGeom prst="rect">
+            <a:avLst/>
+          </a:prstGeom>
+        </p:spPr>
+      </p:pic>
+      <p:sp>
+        <p:nvSpPr>
+          <p:cNvPr id="6" name="CuadroTexto 5">
+            <a:extLst>
+              <a:ext uri="{FF2B5EF4-FFF2-40B4-BE49-F238E27FC236}">
+                <a16:creationId xmlns:a16="http://schemas.microsoft.com/office/drawing/2014/main" id="{C5025331-7FFA-9D07-2B70-0FA0D33593BD}"/>
+              </a:ext>
+            </a:extLst>
+          </p:cNvPr>
+          <p:cNvSpPr txBox="1"/>
+          <p:nvPr/>
+        </p:nvSpPr>
+        <p:spPr>
+          <a:xfrm>
+            <a:off x="9054058" y="6488668"/>
+            <a:ext cx="3137941" cy="369332"/>
+          </a:xfrm>
+          <a:prstGeom prst="rect">
+            <a:avLst/>
+          </a:prstGeom>
+          <a:noFill/>
+        </p:spPr>
+        <p:txBody>
+          <a:bodyPr wrap="square" rtlCol="0">
+            <a:spAutoFit/>
+          </a:bodyPr>
+          <a:lstStyle/>
+          <a:p>
+            <a:pPr algn="ctr"/>
+            <a:r>
+              <a:rPr lang="es-ES" dirty="0">
+                <a:solidFill>
+                  <a:schemeClr val="tx2">
+                    <a:lumMod val="75000"/>
+                    <a:lumOff val="25000"/>
+                  </a:schemeClr>
+                </a:solidFill>
+              </a:rPr>
+              <a:t>Fundamentos de </a:t>
+            </a:r>
+            <a:r>
+              <a:rPr lang="es-ES" dirty="0" err="1">
+                <a:solidFill>
+                  <a:schemeClr val="tx2">
+                    <a:lumMod val="75000"/>
+                    <a:lumOff val="25000"/>
+                  </a:schemeClr>
+                </a:solidFill>
+              </a:rPr>
+              <a:t>React</a:t>
+            </a:r>
+            <a:endParaRPr lang="es-ES" dirty="0">
+              <a:solidFill>
+                <a:schemeClr val="tx2">
+                  <a:lumMod val="75000"/>
+                  <a:lumOff val="25000"/>
+                </a:schemeClr>
+              </a:solidFill>
+            </a:endParaRPr>
+          </a:p>
+        </p:txBody>
+      </p:sp>
+    </p:spTree>
+    <p:extLst>
+      <p:ext uri="{BB962C8B-B14F-4D97-AF65-F5344CB8AC3E}">
+        <p14:creationId xmlns:p14="http://schemas.microsoft.com/office/powerpoint/2010/main" val="3469869857"/>
+      </p:ext>
+    </p:extLst>
+  </p:cSld>
+  <p:clrMapOvr>
+    <a:masterClrMapping/>
+  </p:clrMapOvr>
+</p:sld>
+</file>
+
+<file path=ppt/slides/slide14.xml><?xml version="1.0" encoding="utf-8"?>
+<p:sld xmlns:a="http://schemas.openxmlformats.org/drawingml/2006/main" xmlns:r="http://schemas.openxmlformats.org/officeDocument/2006/relationships" xmlns:p="http://schemas.openxmlformats.org/presentationml/2006/main">
+  <p:cSld>
+    <p:spTree>
+      <p:nvGrpSpPr>
+        <p:cNvPr id="1" name="">
+          <a:extLst>
+            <a:ext uri="{FF2B5EF4-FFF2-40B4-BE49-F238E27FC236}">
+              <a16:creationId xmlns:a16="http://schemas.microsoft.com/office/drawing/2014/main" id="{8FB5F239-D545-AE54-1A0F-7D87ADA19E50}"/>
+            </a:ext>
+          </a:extLst>
+        </p:cNvPr>
+        <p:cNvGrpSpPr/>
+        <p:nvPr/>
+      </p:nvGrpSpPr>
+      <p:grpSpPr>
+        <a:xfrm>
+          <a:off x="0" y="0"/>
+          <a:ext cx="0" cy="0"/>
+          <a:chOff x="0" y="0"/>
+          <a:chExt cx="0" cy="0"/>
+        </a:xfrm>
+      </p:grpSpPr>
+      <p:pic>
+        <p:nvPicPr>
+          <p:cNvPr id="5" name="Imagen 4">
+            <a:extLst>
+              <a:ext uri="{FF2B5EF4-FFF2-40B4-BE49-F238E27FC236}">
+                <a16:creationId xmlns:a16="http://schemas.microsoft.com/office/drawing/2014/main" id="{30D4F9D0-3B5B-B532-409A-BA628B95C8E7}"/>
+              </a:ext>
+            </a:extLst>
+          </p:cNvPr>
+          <p:cNvPicPr>
+            <a:picLocks noChangeAspect="1"/>
+          </p:cNvPicPr>
+          <p:nvPr/>
+        </p:nvPicPr>
+        <p:blipFill>
+          <a:blip r:embed="rId2">
+            <a:alphaModFix amt="5000"/>
+          </a:blip>
+          <a:stretch>
+            <a:fillRect/>
+          </a:stretch>
+        </p:blipFill>
+        <p:spPr>
+          <a:xfrm>
+            <a:off x="0" y="-16418"/>
+            <a:ext cx="12192000" cy="6874418"/>
+          </a:xfrm>
+          <a:prstGeom prst="rect">
+            <a:avLst/>
+          </a:prstGeom>
+        </p:spPr>
+      </p:pic>
+      <p:sp>
+        <p:nvSpPr>
+          <p:cNvPr id="2" name="Título 1">
+            <a:extLst>
+              <a:ext uri="{FF2B5EF4-FFF2-40B4-BE49-F238E27FC236}">
+                <a16:creationId xmlns:a16="http://schemas.microsoft.com/office/drawing/2014/main" id="{2FF09127-40B3-51F7-A406-BC74EF12E0C7}"/>
+              </a:ext>
+            </a:extLst>
+          </p:cNvPr>
+          <p:cNvSpPr>
+            <a:spLocks noGrp="1"/>
+          </p:cNvSpPr>
+          <p:nvPr>
+            <p:ph type="title"/>
+          </p:nvPr>
+        </p:nvSpPr>
+        <p:spPr/>
+        <p:txBody>
+          <a:bodyPr/>
+          <a:lstStyle/>
+          <a:p>
+            <a:br>
+              <a:rPr lang="en-US" dirty="0"/>
+            </a:br>
+            <a:r>
+              <a:rPr lang="en-US" b="1" dirty="0" err="1"/>
+              <a:t>Errores</a:t>
+            </a:r>
+            <a:r>
+              <a:rPr lang="en-US" b="1" dirty="0"/>
+              <a:t> </a:t>
+            </a:r>
+            <a:r>
+              <a:rPr lang="en-US" b="1" dirty="0" err="1"/>
+              <a:t>Comunes</a:t>
+            </a:r>
+            <a:r>
+              <a:rPr lang="en-US" dirty="0"/>
+              <a:t>: </a:t>
+            </a:r>
+          </a:p>
+        </p:txBody>
+      </p:sp>
+      <p:sp>
+        <p:nvSpPr>
+          <p:cNvPr id="3" name="Marcador de contenido 2">
+            <a:extLst>
+              <a:ext uri="{FF2B5EF4-FFF2-40B4-BE49-F238E27FC236}">
+                <a16:creationId xmlns:a16="http://schemas.microsoft.com/office/drawing/2014/main" id="{87C63296-7C5E-F58C-129A-1E64CCC09B08}"/>
+              </a:ext>
+            </a:extLst>
+          </p:cNvPr>
+          <p:cNvSpPr>
+            <a:spLocks noGrp="1"/>
+          </p:cNvSpPr>
+          <p:nvPr>
+            <p:ph idx="1"/>
+          </p:nvPr>
+        </p:nvSpPr>
+        <p:spPr/>
+        <p:txBody>
+          <a:bodyPr>
+            <a:normAutofit/>
+          </a:bodyPr>
+          <a:lstStyle/>
+          <a:p>
+            <a:endParaRPr lang="en-US" dirty="0"/>
+          </a:p>
+          <a:p>
+            <a:pPr lvl="1"/>
+            <a:r>
+              <a:rPr lang="en-US" dirty="0" err="1"/>
+              <a:t>Olvidar</a:t>
+            </a:r>
+            <a:r>
+              <a:rPr lang="en-US" dirty="0"/>
+              <a:t> import React from 'react' (</a:t>
+            </a:r>
+            <a:r>
+              <a:rPr lang="en-US" dirty="0" err="1"/>
+              <a:t>necesario</a:t>
+            </a:r>
+            <a:r>
+              <a:rPr lang="en-US" dirty="0"/>
+              <a:t> </a:t>
+            </a:r>
+            <a:r>
+              <a:rPr lang="en-US" dirty="0" err="1"/>
+              <a:t>en</a:t>
+            </a:r>
+            <a:r>
+              <a:rPr lang="en-US" dirty="0"/>
+              <a:t> CRA para JSX). </a:t>
+            </a:r>
+          </a:p>
+          <a:p>
+            <a:pPr lvl="1"/>
+            <a:r>
+              <a:rPr lang="es-ES" dirty="0"/>
+              <a:t>Usar </a:t>
+            </a:r>
+            <a:r>
+              <a:rPr lang="es-ES" dirty="0" err="1"/>
+              <a:t>class</a:t>
+            </a:r>
+            <a:r>
+              <a:rPr lang="es-ES" dirty="0"/>
+              <a:t> en lugar de className. </a:t>
+            </a:r>
+            <a:endParaRPr lang="en-US" dirty="0"/>
+          </a:p>
+          <a:p>
+            <a:pPr lvl="1"/>
+            <a:r>
+              <a:rPr lang="en-US" dirty="0"/>
+              <a:t>No </a:t>
+            </a:r>
+            <a:r>
+              <a:rPr lang="en-US" dirty="0" err="1"/>
+              <a:t>cerrar</a:t>
+            </a:r>
+            <a:r>
+              <a:rPr lang="en-US" dirty="0"/>
+              <a:t> </a:t>
+            </a:r>
+            <a:r>
+              <a:rPr lang="en-US" dirty="0" err="1"/>
+              <a:t>etiquetas</a:t>
+            </a:r>
+            <a:r>
+              <a:rPr lang="en-US" dirty="0"/>
+              <a:t> JSX.</a:t>
+            </a:r>
+          </a:p>
+          <a:p>
+            <a:pPr lvl="2"/>
+            <a:r>
+              <a:rPr lang="es-ES" b="1" dirty="0"/>
+              <a:t>Pregunta para Entrevistas</a:t>
+            </a:r>
+            <a:r>
+              <a:rPr lang="es-ES" dirty="0"/>
+              <a:t>: ¿Por qué </a:t>
+            </a:r>
+            <a:r>
+              <a:rPr lang="es-ES" dirty="0" err="1"/>
+              <a:t>React</a:t>
+            </a:r>
+            <a:r>
+              <a:rPr lang="es-ES" dirty="0"/>
+              <a:t> requiere importar </a:t>
+            </a:r>
+            <a:r>
+              <a:rPr lang="es-ES" dirty="0" err="1"/>
+              <a:t>React</a:t>
+            </a:r>
+            <a:r>
+              <a:rPr lang="es-ES" dirty="0"/>
+              <a:t> para usar JSX?</a:t>
+            </a:r>
+            <a:endParaRPr lang="en-US" dirty="0"/>
+          </a:p>
+        </p:txBody>
+      </p:sp>
+      <p:pic>
+        <p:nvPicPr>
+          <p:cNvPr id="4" name="Imagen 3" descr="Logotipo&#10;&#10;Descripción generada automáticamente">
+            <a:extLst>
+              <a:ext uri="{FF2B5EF4-FFF2-40B4-BE49-F238E27FC236}">
+                <a16:creationId xmlns:a16="http://schemas.microsoft.com/office/drawing/2014/main" id="{1ED52D60-293E-7BD2-9383-B60521D15326}"/>
+              </a:ext>
+            </a:extLst>
+          </p:cNvPr>
+          <p:cNvPicPr>
+            <a:picLocks noChangeAspect="1"/>
+          </p:cNvPicPr>
+          <p:nvPr/>
+        </p:nvPicPr>
+        <p:blipFill>
+          <a:blip r:embed="rId3">
+            <a:extLst>
+              <a:ext uri="{28A0092B-C50C-407E-A947-70E740481C1C}">
+                <a14:useLocalDpi xmlns:a14="http://schemas.microsoft.com/office/drawing/2010/main" val="0"/>
+              </a:ext>
+            </a:extLst>
+          </a:blip>
+          <a:stretch>
+            <a:fillRect/>
+          </a:stretch>
+        </p:blipFill>
+        <p:spPr>
+          <a:xfrm>
+            <a:off x="0" y="5764617"/>
+            <a:ext cx="1735528" cy="1093383"/>
+          </a:xfrm>
+          <a:prstGeom prst="rect">
+            <a:avLst/>
+          </a:prstGeom>
+        </p:spPr>
+      </p:pic>
+      <p:sp>
+        <p:nvSpPr>
+          <p:cNvPr id="6" name="CuadroTexto 5">
+            <a:extLst>
+              <a:ext uri="{FF2B5EF4-FFF2-40B4-BE49-F238E27FC236}">
+                <a16:creationId xmlns:a16="http://schemas.microsoft.com/office/drawing/2014/main" id="{505965B0-BE8E-3293-A9DE-0A4CB5EFCEA7}"/>
+              </a:ext>
+            </a:extLst>
+          </p:cNvPr>
+          <p:cNvSpPr txBox="1"/>
+          <p:nvPr/>
+        </p:nvSpPr>
+        <p:spPr>
+          <a:xfrm>
+            <a:off x="9054058" y="6488668"/>
+            <a:ext cx="3137941" cy="369332"/>
+          </a:xfrm>
+          <a:prstGeom prst="rect">
+            <a:avLst/>
+          </a:prstGeom>
+          <a:noFill/>
+        </p:spPr>
+        <p:txBody>
+          <a:bodyPr wrap="square" rtlCol="0">
+            <a:spAutoFit/>
+          </a:bodyPr>
+          <a:lstStyle/>
+          <a:p>
+            <a:pPr algn="ctr"/>
+            <a:r>
+              <a:rPr lang="es-ES" dirty="0">
+                <a:solidFill>
+                  <a:schemeClr val="tx2">
+                    <a:lumMod val="75000"/>
+                    <a:lumOff val="25000"/>
+                  </a:schemeClr>
+                </a:solidFill>
+              </a:rPr>
+              <a:t>Fundamentos de </a:t>
+            </a:r>
+            <a:r>
+              <a:rPr lang="es-ES" dirty="0" err="1">
+                <a:solidFill>
+                  <a:schemeClr val="tx2">
+                    <a:lumMod val="75000"/>
+                    <a:lumOff val="25000"/>
+                  </a:schemeClr>
+                </a:solidFill>
+              </a:rPr>
+              <a:t>React</a:t>
+            </a:r>
+            <a:endParaRPr lang="es-ES" dirty="0">
+              <a:solidFill>
+                <a:schemeClr val="tx2">
+                  <a:lumMod val="75000"/>
+                  <a:lumOff val="25000"/>
+                </a:schemeClr>
+              </a:solidFill>
+            </a:endParaRPr>
+          </a:p>
+        </p:txBody>
+      </p:sp>
+    </p:spTree>
+    <p:extLst>
+      <p:ext uri="{BB962C8B-B14F-4D97-AF65-F5344CB8AC3E}">
+        <p14:creationId xmlns:p14="http://schemas.microsoft.com/office/powerpoint/2010/main" val="2346703315"/>
+      </p:ext>
+    </p:extLst>
+  </p:cSld>
+  <p:clrMapOvr>
+    <a:masterClrMapping/>
+  </p:clrMapOvr>
+</p:sld>
+</file>
+
+<file path=ppt/slides/slide15.xml><?xml version="1.0" encoding="utf-8"?>
+<p:sld xmlns:a="http://schemas.openxmlformats.org/drawingml/2006/main" xmlns:r="http://schemas.openxmlformats.org/officeDocument/2006/relationships" xmlns:p="http://schemas.openxmlformats.org/presentationml/2006/main">
+  <p:cSld>
+    <p:spTree>
+      <p:nvGrpSpPr>
+        <p:cNvPr id="1" name="">
+          <a:extLst>
+            <a:ext uri="{FF2B5EF4-FFF2-40B4-BE49-F238E27FC236}">
+              <a16:creationId xmlns:a16="http://schemas.microsoft.com/office/drawing/2014/main" id="{0613F409-C8DD-FD70-1645-AA05DC151EBD}"/>
+            </a:ext>
+          </a:extLst>
+        </p:cNvPr>
+        <p:cNvGrpSpPr/>
+        <p:nvPr/>
+      </p:nvGrpSpPr>
+      <p:grpSpPr>
+        <a:xfrm>
+          <a:off x="0" y="0"/>
+          <a:ext cx="0" cy="0"/>
+          <a:chOff x="0" y="0"/>
+          <a:chExt cx="0" cy="0"/>
+        </a:xfrm>
+      </p:grpSpPr>
+      <p:pic>
+        <p:nvPicPr>
+          <p:cNvPr id="5" name="Imagen 4">
+            <a:extLst>
+              <a:ext uri="{FF2B5EF4-FFF2-40B4-BE49-F238E27FC236}">
+                <a16:creationId xmlns:a16="http://schemas.microsoft.com/office/drawing/2014/main" id="{56DF8648-8804-93A1-65AD-2A57F8446A62}"/>
+              </a:ext>
+            </a:extLst>
+          </p:cNvPr>
+          <p:cNvPicPr>
+            <a:picLocks noChangeAspect="1"/>
+          </p:cNvPicPr>
+          <p:nvPr/>
+        </p:nvPicPr>
+        <p:blipFill>
+          <a:blip r:embed="rId2">
+            <a:alphaModFix amt="5000"/>
+          </a:blip>
+          <a:stretch>
+            <a:fillRect/>
+          </a:stretch>
+        </p:blipFill>
+        <p:spPr>
+          <a:xfrm>
+            <a:off x="0" y="-16418"/>
+            <a:ext cx="12192000" cy="6874418"/>
+          </a:xfrm>
+          <a:prstGeom prst="rect">
+            <a:avLst/>
+          </a:prstGeom>
+        </p:spPr>
+      </p:pic>
+      <p:sp>
+        <p:nvSpPr>
+          <p:cNvPr id="2" name="Título 1">
+            <a:extLst>
+              <a:ext uri="{FF2B5EF4-FFF2-40B4-BE49-F238E27FC236}">
+                <a16:creationId xmlns:a16="http://schemas.microsoft.com/office/drawing/2014/main" id="{1F8F80CA-CE8D-1450-FE9E-AD4699236D66}"/>
+              </a:ext>
+            </a:extLst>
+          </p:cNvPr>
+          <p:cNvSpPr>
+            <a:spLocks noGrp="1"/>
+          </p:cNvSpPr>
+          <p:nvPr>
+            <p:ph type="title"/>
+          </p:nvPr>
+        </p:nvSpPr>
+        <p:spPr/>
+        <p:txBody>
+          <a:bodyPr/>
+          <a:lstStyle/>
+          <a:p>
+            <a:br>
+              <a:rPr lang="en-US" dirty="0"/>
+            </a:br>
+            <a:r>
+              <a:rPr lang="en-US" b="1" dirty="0" err="1"/>
+              <a:t>Resumen</a:t>
+            </a:r>
+            <a:r>
+              <a:rPr lang="en-US" dirty="0"/>
+              <a:t>: </a:t>
+            </a:r>
+          </a:p>
+        </p:txBody>
+      </p:sp>
+      <p:sp>
+        <p:nvSpPr>
+          <p:cNvPr id="3" name="Marcador de contenido 2">
+            <a:extLst>
+              <a:ext uri="{FF2B5EF4-FFF2-40B4-BE49-F238E27FC236}">
+                <a16:creationId xmlns:a16="http://schemas.microsoft.com/office/drawing/2014/main" id="{3C6CA794-CDEC-539D-DA00-C7EE4E680A1F}"/>
+              </a:ext>
+            </a:extLst>
+          </p:cNvPr>
+          <p:cNvSpPr>
+            <a:spLocks noGrp="1"/>
+          </p:cNvSpPr>
+          <p:nvPr>
+            <p:ph idx="1"/>
+          </p:nvPr>
+        </p:nvSpPr>
+        <p:spPr/>
+        <p:txBody>
+          <a:bodyPr/>
+          <a:lstStyle/>
+          <a:p>
+            <a:endParaRPr lang="en-US" dirty="0"/>
+          </a:p>
+          <a:p>
+            <a:r>
+              <a:rPr lang="es-ES" dirty="0"/>
+              <a:t>JSX combina HTML y JS, compilado por Babel a funciones </a:t>
+            </a:r>
+            <a:r>
+              <a:rPr lang="es-ES" dirty="0" err="1"/>
+              <a:t>React</a:t>
+            </a:r>
+            <a:r>
+              <a:rPr lang="es-ES" dirty="0"/>
+              <a:t>. </a:t>
+            </a:r>
+            <a:endParaRPr lang="en-US" dirty="0"/>
+          </a:p>
+          <a:p>
+            <a:r>
+              <a:rPr lang="es-ES" dirty="0"/>
+              <a:t>Componentes funcionales son el estándar para UI modular. </a:t>
+            </a:r>
+            <a:endParaRPr lang="en-US" dirty="0"/>
+          </a:p>
+          <a:p>
+            <a:r>
+              <a:rPr lang="es-ES" dirty="0"/>
+              <a:t>{} permite dinamismo en la UI.</a:t>
+            </a:r>
+            <a:endParaRPr lang="en-US" dirty="0"/>
+          </a:p>
+        </p:txBody>
+      </p:sp>
+      <p:pic>
+        <p:nvPicPr>
+          <p:cNvPr id="4" name="Imagen 3" descr="Logotipo&#10;&#10;Descripción generada automáticamente">
+            <a:extLst>
+              <a:ext uri="{FF2B5EF4-FFF2-40B4-BE49-F238E27FC236}">
+                <a16:creationId xmlns:a16="http://schemas.microsoft.com/office/drawing/2014/main" id="{4181B10B-E646-6829-BE42-5F8EA5E967F6}"/>
+              </a:ext>
+            </a:extLst>
+          </p:cNvPr>
+          <p:cNvPicPr>
+            <a:picLocks noChangeAspect="1"/>
+          </p:cNvPicPr>
+          <p:nvPr/>
+        </p:nvPicPr>
+        <p:blipFill>
+          <a:blip r:embed="rId3">
+            <a:extLst>
+              <a:ext uri="{28A0092B-C50C-407E-A947-70E740481C1C}">
+                <a14:useLocalDpi xmlns:a14="http://schemas.microsoft.com/office/drawing/2010/main" val="0"/>
+              </a:ext>
+            </a:extLst>
+          </a:blip>
+          <a:stretch>
+            <a:fillRect/>
+          </a:stretch>
+        </p:blipFill>
+        <p:spPr>
+          <a:xfrm>
+            <a:off x="0" y="5764617"/>
+            <a:ext cx="1735528" cy="1093383"/>
+          </a:xfrm>
+          <a:prstGeom prst="rect">
+            <a:avLst/>
+          </a:prstGeom>
+        </p:spPr>
+      </p:pic>
+      <p:sp>
+        <p:nvSpPr>
+          <p:cNvPr id="6" name="CuadroTexto 5">
+            <a:extLst>
+              <a:ext uri="{FF2B5EF4-FFF2-40B4-BE49-F238E27FC236}">
+                <a16:creationId xmlns:a16="http://schemas.microsoft.com/office/drawing/2014/main" id="{E5322858-D893-0232-6939-6074C58F1A09}"/>
+              </a:ext>
+            </a:extLst>
+          </p:cNvPr>
+          <p:cNvSpPr txBox="1"/>
+          <p:nvPr/>
+        </p:nvSpPr>
+        <p:spPr>
+          <a:xfrm>
+            <a:off x="9054058" y="6488668"/>
+            <a:ext cx="3137941" cy="369332"/>
+          </a:xfrm>
+          <a:prstGeom prst="rect">
+            <a:avLst/>
+          </a:prstGeom>
+          <a:noFill/>
+        </p:spPr>
+        <p:txBody>
+          <a:bodyPr wrap="square" rtlCol="0">
+            <a:spAutoFit/>
+          </a:bodyPr>
+          <a:lstStyle/>
+          <a:p>
+            <a:pPr algn="ctr"/>
+            <a:r>
+              <a:rPr lang="es-ES" dirty="0">
+                <a:solidFill>
+                  <a:schemeClr val="tx2">
+                    <a:lumMod val="75000"/>
+                    <a:lumOff val="25000"/>
+                  </a:schemeClr>
+                </a:solidFill>
+              </a:rPr>
+              <a:t>Fundamentos de </a:t>
+            </a:r>
+            <a:r>
+              <a:rPr lang="es-ES" dirty="0" err="1">
+                <a:solidFill>
+                  <a:schemeClr val="tx2">
+                    <a:lumMod val="75000"/>
+                    <a:lumOff val="25000"/>
+                  </a:schemeClr>
+                </a:solidFill>
+              </a:rPr>
+              <a:t>React</a:t>
+            </a:r>
+            <a:endParaRPr lang="es-ES" dirty="0">
+              <a:solidFill>
+                <a:schemeClr val="tx2">
+                  <a:lumMod val="75000"/>
+                  <a:lumOff val="25000"/>
+                </a:schemeClr>
+              </a:solidFill>
+            </a:endParaRPr>
+          </a:p>
+        </p:txBody>
+      </p:sp>
+    </p:spTree>
+    <p:extLst>
+      <p:ext uri="{BB962C8B-B14F-4D97-AF65-F5344CB8AC3E}">
+        <p14:creationId xmlns:p14="http://schemas.microsoft.com/office/powerpoint/2010/main" val="2109468931"/>
+      </p:ext>
+    </p:extLst>
+  </p:cSld>
+  <p:clrMapOvr>
+    <a:masterClrMapping/>
+  </p:clrMapOvr>
+</p:sld>
+</file>
+
+<file path=ppt/slides/slide16.xml><?xml version="1.0" encoding="utf-8"?>
+<p:sld xmlns:a="http://schemas.openxmlformats.org/drawingml/2006/main" xmlns:r="http://schemas.openxmlformats.org/officeDocument/2006/relationships" xmlns:p="http://schemas.openxmlformats.org/presentationml/2006/main">
+  <p:cSld>
+    <p:spTree>
+      <p:nvGrpSpPr>
+        <p:cNvPr id="1" name="">
+          <a:extLst>
+            <a:ext uri="{FF2B5EF4-FFF2-40B4-BE49-F238E27FC236}">
+              <a16:creationId xmlns:a16="http://schemas.microsoft.com/office/drawing/2014/main" id="{12B7D221-C0FD-165A-B323-B12A08F89850}"/>
+            </a:ext>
+          </a:extLst>
+        </p:cNvPr>
+        <p:cNvGrpSpPr/>
+        <p:nvPr/>
+      </p:nvGrpSpPr>
+      <p:grpSpPr>
+        <a:xfrm>
+          <a:off x="0" y="0"/>
+          <a:ext cx="0" cy="0"/>
+          <a:chOff x="0" y="0"/>
+          <a:chExt cx="0" cy="0"/>
+        </a:xfrm>
+      </p:grpSpPr>
+      <p:pic>
+        <p:nvPicPr>
+          <p:cNvPr id="5" name="Imagen 4">
+            <a:extLst>
+              <a:ext uri="{FF2B5EF4-FFF2-40B4-BE49-F238E27FC236}">
+                <a16:creationId xmlns:a16="http://schemas.microsoft.com/office/drawing/2014/main" id="{7E5F6E2F-8C64-0C1A-13BC-115852DF5A35}"/>
+              </a:ext>
+            </a:extLst>
+          </p:cNvPr>
+          <p:cNvPicPr>
+            <a:picLocks noChangeAspect="1"/>
+          </p:cNvPicPr>
+          <p:nvPr/>
+        </p:nvPicPr>
+        <p:blipFill>
+          <a:blip r:embed="rId2">
+            <a:alphaModFix amt="5000"/>
+          </a:blip>
+          <a:stretch>
+            <a:fillRect/>
+          </a:stretch>
+        </p:blipFill>
+        <p:spPr>
+          <a:xfrm>
+            <a:off x="0" y="-16418"/>
+            <a:ext cx="12192000" cy="6874418"/>
+          </a:xfrm>
+          <a:prstGeom prst="rect">
+            <a:avLst/>
+          </a:prstGeom>
+        </p:spPr>
+      </p:pic>
+      <p:sp>
+        <p:nvSpPr>
+          <p:cNvPr id="2" name="Título 1">
+            <a:extLst>
+              <a:ext uri="{FF2B5EF4-FFF2-40B4-BE49-F238E27FC236}">
+                <a16:creationId xmlns:a16="http://schemas.microsoft.com/office/drawing/2014/main" id="{86CFA3DE-FDA7-E62A-CA2C-F69470615B6A}"/>
+              </a:ext>
+            </a:extLst>
+          </p:cNvPr>
+          <p:cNvSpPr>
+            <a:spLocks noGrp="1"/>
+          </p:cNvSpPr>
+          <p:nvPr>
+            <p:ph type="title"/>
+          </p:nvPr>
+        </p:nvSpPr>
+        <p:spPr/>
+        <p:txBody>
+          <a:bodyPr/>
+          <a:lstStyle/>
+          <a:p>
+            <a:pPr lvl="0"/>
+            <a:r>
+              <a:rPr lang="es-ES" dirty="0"/>
+              <a:t>T</a:t>
+            </a:r>
+            <a:r>
+              <a:rPr lang="en-US" dirty="0"/>
+              <a:t>AREA</a:t>
+            </a:r>
+          </a:p>
+        </p:txBody>
+      </p:sp>
+      <p:sp>
+        <p:nvSpPr>
+          <p:cNvPr id="3" name="Marcador de contenido 2">
+            <a:extLst>
+              <a:ext uri="{FF2B5EF4-FFF2-40B4-BE49-F238E27FC236}">
+                <a16:creationId xmlns:a16="http://schemas.microsoft.com/office/drawing/2014/main" id="{31C747DB-3172-02F9-0EAB-CCC7859D9634}"/>
+              </a:ext>
+            </a:extLst>
+          </p:cNvPr>
+          <p:cNvSpPr>
+            <a:spLocks noGrp="1"/>
+          </p:cNvSpPr>
+          <p:nvPr>
+            <p:ph idx="1"/>
+          </p:nvPr>
+        </p:nvSpPr>
+        <p:spPr/>
+        <p:txBody>
+          <a:bodyPr/>
+          <a:lstStyle/>
+          <a:p>
+            <a:r>
+              <a:rPr lang="en-US" b="1" dirty="0"/>
+              <a:t>Tarea para Casa:</a:t>
+            </a:r>
+            <a:endParaRPr lang="en-US" dirty="0"/>
+          </a:p>
+          <a:p>
+            <a:pPr lvl="0"/>
+            <a:r>
+              <a:rPr lang="en-US" dirty="0"/>
+              <a:t>Crear 3 </a:t>
+            </a:r>
+            <a:r>
+              <a:rPr lang="en-US" dirty="0" err="1"/>
+              <a:t>componentes</a:t>
+            </a:r>
+            <a:r>
+              <a:rPr lang="en-US" dirty="0"/>
+              <a:t>: </a:t>
+            </a:r>
+          </a:p>
+          <a:p>
+            <a:pPr lvl="1"/>
+            <a:r>
+              <a:rPr lang="en-US" dirty="0"/>
+              <a:t>Button: </a:t>
+            </a:r>
+            <a:r>
+              <a:rPr lang="en-US" dirty="0" err="1"/>
+              <a:t>Recibe</a:t>
+            </a:r>
+            <a:r>
+              <a:rPr lang="en-US" dirty="0"/>
+              <a:t> prop text.</a:t>
+            </a:r>
+          </a:p>
+          <a:p>
+            <a:pPr lvl="1"/>
+            <a:r>
+              <a:rPr lang="es-ES" dirty="0" err="1"/>
+              <a:t>Card</a:t>
+            </a:r>
+            <a:r>
+              <a:rPr lang="es-ES" dirty="0"/>
+              <a:t>: Muestra título y descripción.</a:t>
+            </a:r>
+            <a:endParaRPr lang="en-US" dirty="0"/>
+          </a:p>
+          <a:p>
+            <a:pPr lvl="1"/>
+            <a:r>
+              <a:rPr lang="es-ES" dirty="0" err="1"/>
+              <a:t>Image</a:t>
+            </a:r>
+            <a:r>
+              <a:rPr lang="es-ES" dirty="0"/>
+              <a:t>: Muestra </a:t>
+            </a:r>
+            <a:r>
+              <a:rPr lang="es-ES" dirty="0" err="1"/>
+              <a:t>img</a:t>
+            </a:r>
+            <a:r>
+              <a:rPr lang="es-ES" dirty="0"/>
+              <a:t> con src </a:t>
+            </a:r>
+            <a:r>
+              <a:rPr lang="es-ES" dirty="0" err="1"/>
+              <a:t>prop</a:t>
+            </a:r>
+            <a:r>
+              <a:rPr lang="es-ES" dirty="0"/>
+              <a:t>.</a:t>
+            </a:r>
+            <a:endParaRPr lang="en-US" dirty="0"/>
+          </a:p>
+        </p:txBody>
+      </p:sp>
+      <p:pic>
+        <p:nvPicPr>
+          <p:cNvPr id="4" name="Imagen 3" descr="Logotipo&#10;&#10;Descripción generada automáticamente">
+            <a:extLst>
+              <a:ext uri="{FF2B5EF4-FFF2-40B4-BE49-F238E27FC236}">
+                <a16:creationId xmlns:a16="http://schemas.microsoft.com/office/drawing/2014/main" id="{21882B85-8BFD-A5B0-53E7-9D78D2394564}"/>
+              </a:ext>
+            </a:extLst>
+          </p:cNvPr>
+          <p:cNvPicPr>
+            <a:picLocks noChangeAspect="1"/>
+          </p:cNvPicPr>
+          <p:nvPr/>
+        </p:nvPicPr>
+        <p:blipFill>
+          <a:blip r:embed="rId3">
+            <a:extLst>
+              <a:ext uri="{28A0092B-C50C-407E-A947-70E740481C1C}">
+                <a14:useLocalDpi xmlns:a14="http://schemas.microsoft.com/office/drawing/2010/main" val="0"/>
+              </a:ext>
+            </a:extLst>
+          </a:blip>
+          <a:stretch>
+            <a:fillRect/>
+          </a:stretch>
+        </p:blipFill>
+        <p:spPr>
+          <a:xfrm>
+            <a:off x="0" y="5764617"/>
+            <a:ext cx="1735528" cy="1093383"/>
+          </a:xfrm>
+          <a:prstGeom prst="rect">
+            <a:avLst/>
+          </a:prstGeom>
+        </p:spPr>
+      </p:pic>
+      <p:sp>
+        <p:nvSpPr>
+          <p:cNvPr id="6" name="CuadroTexto 5">
+            <a:extLst>
+              <a:ext uri="{FF2B5EF4-FFF2-40B4-BE49-F238E27FC236}">
+                <a16:creationId xmlns:a16="http://schemas.microsoft.com/office/drawing/2014/main" id="{3F6E3E63-B073-42F5-24B9-0B04EB0E048A}"/>
+              </a:ext>
+            </a:extLst>
+          </p:cNvPr>
+          <p:cNvSpPr txBox="1"/>
+          <p:nvPr/>
+        </p:nvSpPr>
+        <p:spPr>
+          <a:xfrm>
+            <a:off x="9054058" y="6488668"/>
+            <a:ext cx="3137941" cy="369332"/>
+          </a:xfrm>
+          <a:prstGeom prst="rect">
+            <a:avLst/>
+          </a:prstGeom>
+          <a:noFill/>
+        </p:spPr>
+        <p:txBody>
+          <a:bodyPr wrap="square" rtlCol="0">
+            <a:spAutoFit/>
+          </a:bodyPr>
+          <a:lstStyle/>
+          <a:p>
+            <a:pPr algn="ctr"/>
+            <a:r>
+              <a:rPr lang="es-ES" dirty="0">
+                <a:solidFill>
+                  <a:schemeClr val="tx2">
+                    <a:lumMod val="75000"/>
+                    <a:lumOff val="25000"/>
+                  </a:schemeClr>
+                </a:solidFill>
+              </a:rPr>
+              <a:t>Fundamentos de </a:t>
+            </a:r>
+            <a:r>
+              <a:rPr lang="es-ES" dirty="0" err="1">
+                <a:solidFill>
+                  <a:schemeClr val="tx2">
+                    <a:lumMod val="75000"/>
+                    <a:lumOff val="25000"/>
+                  </a:schemeClr>
+                </a:solidFill>
+              </a:rPr>
+              <a:t>React</a:t>
+            </a:r>
+            <a:endParaRPr lang="es-ES" dirty="0">
+              <a:solidFill>
+                <a:schemeClr val="tx2">
+                  <a:lumMod val="75000"/>
+                  <a:lumOff val="25000"/>
+                </a:schemeClr>
+              </a:solidFill>
+            </a:endParaRPr>
+          </a:p>
+        </p:txBody>
+      </p:sp>
+    </p:spTree>
+    <p:extLst>
+      <p:ext uri="{BB962C8B-B14F-4D97-AF65-F5344CB8AC3E}">
+        <p14:creationId xmlns:p14="http://schemas.microsoft.com/office/powerpoint/2010/main" val="3500335216"/>
+      </p:ext>
+    </p:extLst>
+  </p:cSld>
+  <p:clrMapOvr>
+    <a:masterClrMapping/>
+  </p:clrMapOvr>
+</p:sld>
+</file>
+
+<file path=ppt/slides/slide17.xml><?xml version="1.0" encoding="utf-8"?>
+<p:sld xmlns:a="http://schemas.openxmlformats.org/drawingml/2006/main" xmlns:r="http://schemas.openxmlformats.org/officeDocument/2006/relationships" xmlns:p="http://schemas.openxmlformats.org/presentationml/2006/main">
+  <p:cSld>
+    <p:spTree>
+      <p:nvGrpSpPr>
+        <p:cNvPr id="1" name="">
+          <a:extLst>
+            <a:ext uri="{FF2B5EF4-FFF2-40B4-BE49-F238E27FC236}">
+              <a16:creationId xmlns:a16="http://schemas.microsoft.com/office/drawing/2014/main" id="{D96E0AC4-1ECE-4498-936A-92D27DF4B513}"/>
+            </a:ext>
+          </a:extLst>
+        </p:cNvPr>
+        <p:cNvGrpSpPr/>
+        <p:nvPr/>
+      </p:nvGrpSpPr>
+      <p:grpSpPr>
+        <a:xfrm>
+          <a:off x="0" y="0"/>
+          <a:ext cx="0" cy="0"/>
+          <a:chOff x="0" y="0"/>
+          <a:chExt cx="0" cy="0"/>
+        </a:xfrm>
+      </p:grpSpPr>
+      <p:pic>
+        <p:nvPicPr>
+          <p:cNvPr id="5" name="Imagen 4">
+            <a:extLst>
+              <a:ext uri="{FF2B5EF4-FFF2-40B4-BE49-F238E27FC236}">
+                <a16:creationId xmlns:a16="http://schemas.microsoft.com/office/drawing/2014/main" id="{0B351AD7-559E-8B60-A5BD-73F3A356EB9F}"/>
+              </a:ext>
+            </a:extLst>
+          </p:cNvPr>
+          <p:cNvPicPr>
+            <a:picLocks noChangeAspect="1"/>
+          </p:cNvPicPr>
+          <p:nvPr/>
+        </p:nvPicPr>
+        <p:blipFill>
+          <a:blip r:embed="rId2">
+            <a:alphaModFix amt="5000"/>
+          </a:blip>
+          <a:stretch>
+            <a:fillRect/>
+          </a:stretch>
+        </p:blipFill>
+        <p:spPr>
+          <a:xfrm>
+            <a:off x="0" y="-16418"/>
+            <a:ext cx="12192000" cy="6874418"/>
+          </a:xfrm>
+          <a:prstGeom prst="rect">
+            <a:avLst/>
+          </a:prstGeom>
+        </p:spPr>
+      </p:pic>
+      <p:sp>
+        <p:nvSpPr>
+          <p:cNvPr id="2" name="Título 1">
+            <a:extLst>
+              <a:ext uri="{FF2B5EF4-FFF2-40B4-BE49-F238E27FC236}">
+                <a16:creationId xmlns:a16="http://schemas.microsoft.com/office/drawing/2014/main" id="{CB9D9ED5-5362-8647-7838-C5332F471E6C}"/>
+              </a:ext>
+            </a:extLst>
+          </p:cNvPr>
+          <p:cNvSpPr>
+            <a:spLocks noGrp="1"/>
+          </p:cNvSpPr>
+          <p:nvPr>
+            <p:ph type="title"/>
+          </p:nvPr>
+        </p:nvSpPr>
+        <p:spPr/>
+        <p:txBody>
+          <a:bodyPr/>
+          <a:lstStyle/>
+          <a:p>
+            <a:pPr lvl="0"/>
+            <a:r>
+              <a:rPr lang="es-ES" dirty="0"/>
+              <a:t>T</a:t>
+            </a:r>
+            <a:r>
+              <a:rPr lang="en-US" dirty="0"/>
+              <a:t>AREA</a:t>
+            </a:r>
+          </a:p>
+        </p:txBody>
+      </p:sp>
+      <p:sp>
+        <p:nvSpPr>
+          <p:cNvPr id="3" name="Marcador de contenido 2">
+            <a:extLst>
+              <a:ext uri="{FF2B5EF4-FFF2-40B4-BE49-F238E27FC236}">
+                <a16:creationId xmlns:a16="http://schemas.microsoft.com/office/drawing/2014/main" id="{0E24E964-6AAE-48A6-4E15-308D613B569D}"/>
+              </a:ext>
+            </a:extLst>
+          </p:cNvPr>
+          <p:cNvSpPr>
+            <a:spLocks noGrp="1"/>
+          </p:cNvSpPr>
+          <p:nvPr>
+            <p:ph idx="1"/>
+          </p:nvPr>
+        </p:nvSpPr>
+        <p:spPr/>
+        <p:txBody>
+          <a:bodyPr/>
+          <a:lstStyle/>
+          <a:p>
+            <a:pPr lvl="1"/>
+            <a:r>
+              <a:rPr lang="es-ES" dirty="0"/>
+              <a:t>Leer </a:t>
+            </a:r>
+            <a:r>
+              <a:rPr lang="es-ES" u="sng" dirty="0">
+                <a:hlinkClick r:id="rId3"/>
+              </a:rPr>
+              <a:t>https://react.dev/learn/writing-markup-with-jsx</a:t>
+            </a:r>
+            <a:r>
+              <a:rPr lang="es-ES" dirty="0"/>
+              <a:t>. </a:t>
+            </a:r>
+            <a:endParaRPr lang="en-US" dirty="0"/>
+          </a:p>
+          <a:p>
+            <a:pPr lvl="1"/>
+            <a:r>
+              <a:rPr lang="es-ES" dirty="0"/>
+              <a:t>Crear un componente </a:t>
+            </a:r>
+            <a:r>
+              <a:rPr lang="es-ES" dirty="0" err="1"/>
+              <a:t>WelcomeMessage</a:t>
+            </a:r>
+            <a:r>
+              <a:rPr lang="es-ES" dirty="0"/>
+              <a:t> con datos dinámicos (nombre, fecha actual). </a:t>
+            </a:r>
+            <a:endParaRPr lang="en-US" dirty="0"/>
+          </a:p>
+          <a:p>
+            <a:pPr lvl="1"/>
+            <a:r>
+              <a:rPr lang="es-ES" dirty="0"/>
+              <a:t>Añadir un condicional para mostrar un mensaje diferente si es lunes.</a:t>
+            </a:r>
+          </a:p>
+          <a:p>
+            <a:pPr lvl="1"/>
+            <a:endParaRPr lang="en-US" dirty="0"/>
+          </a:p>
+          <a:p>
+            <a:pPr lvl="2"/>
+            <a:r>
+              <a:rPr lang="es-ES" b="1" dirty="0"/>
+              <a:t>Pregunta Reflexiva</a:t>
+            </a:r>
+            <a:r>
+              <a:rPr lang="es-ES" dirty="0"/>
+              <a:t>: ¿Cómo mejora JSX la productividad del desarrollador? </a:t>
+            </a:r>
+          </a:p>
+          <a:p>
+            <a:pPr lvl="2"/>
+            <a:endParaRPr lang="en-US" dirty="0"/>
+          </a:p>
+          <a:p>
+            <a:pPr lvl="2"/>
+            <a:r>
+              <a:rPr lang="es-ES" b="1" dirty="0"/>
+              <a:t>Pregunta para Entrevistas</a:t>
+            </a:r>
+            <a:r>
+              <a:rPr lang="es-ES" dirty="0"/>
+              <a:t>: ¿Cómo manejarías un componente que necesita múltiples condicionales en JSX?</a:t>
+            </a:r>
+            <a:endParaRPr lang="en-US" dirty="0"/>
+          </a:p>
+        </p:txBody>
+      </p:sp>
+      <p:pic>
+        <p:nvPicPr>
+          <p:cNvPr id="4" name="Imagen 3" descr="Logotipo&#10;&#10;Descripción generada automáticamente">
+            <a:extLst>
+              <a:ext uri="{FF2B5EF4-FFF2-40B4-BE49-F238E27FC236}">
+                <a16:creationId xmlns:a16="http://schemas.microsoft.com/office/drawing/2014/main" id="{1152DA63-17AA-6091-711A-BE4650988217}"/>
+              </a:ext>
+            </a:extLst>
+          </p:cNvPr>
+          <p:cNvPicPr>
+            <a:picLocks noChangeAspect="1"/>
+          </p:cNvPicPr>
+          <p:nvPr/>
+        </p:nvPicPr>
+        <p:blipFill>
+          <a:blip r:embed="rId4">
+            <a:extLst>
+              <a:ext uri="{28A0092B-C50C-407E-A947-70E740481C1C}">
+                <a14:useLocalDpi xmlns:a14="http://schemas.microsoft.com/office/drawing/2010/main" val="0"/>
+              </a:ext>
+            </a:extLst>
+          </a:blip>
+          <a:stretch>
+            <a:fillRect/>
+          </a:stretch>
+        </p:blipFill>
+        <p:spPr>
+          <a:xfrm>
+            <a:off x="0" y="5764617"/>
+            <a:ext cx="1735528" cy="1093383"/>
+          </a:xfrm>
+          <a:prstGeom prst="rect">
+            <a:avLst/>
+          </a:prstGeom>
+        </p:spPr>
+      </p:pic>
+      <p:sp>
+        <p:nvSpPr>
+          <p:cNvPr id="6" name="CuadroTexto 5">
+            <a:extLst>
+              <a:ext uri="{FF2B5EF4-FFF2-40B4-BE49-F238E27FC236}">
+                <a16:creationId xmlns:a16="http://schemas.microsoft.com/office/drawing/2014/main" id="{B1ADCE8F-8B7E-2520-F4A5-2342F16940B8}"/>
+              </a:ext>
+            </a:extLst>
+          </p:cNvPr>
+          <p:cNvSpPr txBox="1"/>
+          <p:nvPr/>
+        </p:nvSpPr>
+        <p:spPr>
+          <a:xfrm>
+            <a:off x="9054058" y="6488668"/>
+            <a:ext cx="3137941" cy="369332"/>
+          </a:xfrm>
+          <a:prstGeom prst="rect">
+            <a:avLst/>
+          </a:prstGeom>
+          <a:noFill/>
+        </p:spPr>
+        <p:txBody>
+          <a:bodyPr wrap="square" rtlCol="0">
+            <a:spAutoFit/>
+          </a:bodyPr>
+          <a:lstStyle/>
+          <a:p>
+            <a:pPr algn="ctr"/>
+            <a:r>
+              <a:rPr lang="es-ES" dirty="0">
+                <a:solidFill>
+                  <a:schemeClr val="tx2">
+                    <a:lumMod val="75000"/>
+                    <a:lumOff val="25000"/>
+                  </a:schemeClr>
+                </a:solidFill>
+              </a:rPr>
+              <a:t>Fundamentos de </a:t>
+            </a:r>
+            <a:r>
+              <a:rPr lang="es-ES" dirty="0" err="1">
+                <a:solidFill>
+                  <a:schemeClr val="tx2">
+                    <a:lumMod val="75000"/>
+                    <a:lumOff val="25000"/>
+                  </a:schemeClr>
+                </a:solidFill>
+              </a:rPr>
+              <a:t>React</a:t>
+            </a:r>
+            <a:endParaRPr lang="es-ES" dirty="0">
+              <a:solidFill>
+                <a:schemeClr val="tx2">
+                  <a:lumMod val="75000"/>
+                  <a:lumOff val="25000"/>
+                </a:schemeClr>
+              </a:solidFill>
+            </a:endParaRPr>
+          </a:p>
+        </p:txBody>
+      </p:sp>
+    </p:spTree>
+    <p:extLst>
+      <p:ext uri="{BB962C8B-B14F-4D97-AF65-F5344CB8AC3E}">
+        <p14:creationId xmlns:p14="http://schemas.microsoft.com/office/powerpoint/2010/main" val="4274410242"/>
+      </p:ext>
+    </p:extLst>
+  </p:cSld>
+  <p:clrMapOvr>
+    <a:masterClrMapping/>
+  </p:clrMapOvr>
+</p:sld>
+</file>
+
+<file path=ppt/slides/slide18.xml><?xml version="1.0" encoding="utf-8"?>
+<p:sld xmlns:a="http://schemas.openxmlformats.org/drawingml/2006/main" xmlns:r="http://schemas.openxmlformats.org/officeDocument/2006/relationships" xmlns:p="http://schemas.openxmlformats.org/presentationml/2006/main">
+  <p:cSld>
+    <p:spTree>
+      <p:nvGrpSpPr>
+        <p:cNvPr id="1" name="">
+          <a:extLst>
+            <a:ext uri="{FF2B5EF4-FFF2-40B4-BE49-F238E27FC236}">
+              <a16:creationId xmlns:a16="http://schemas.microsoft.com/office/drawing/2014/main" id="{4A2C18DC-3924-620C-B2BD-382D1155B294}"/>
+            </a:ext>
+          </a:extLst>
+        </p:cNvPr>
+        <p:cNvGrpSpPr/>
+        <p:nvPr/>
+      </p:nvGrpSpPr>
+      <p:grpSpPr>
+        <a:xfrm>
+          <a:off x="0" y="0"/>
+          <a:ext cx="0" cy="0"/>
+          <a:chOff x="0" y="0"/>
+          <a:chExt cx="0" cy="0"/>
+        </a:xfrm>
+      </p:grpSpPr>
+      <p:pic>
+        <p:nvPicPr>
+          <p:cNvPr id="5" name="Imagen 4">
+            <a:extLst>
+              <a:ext uri="{FF2B5EF4-FFF2-40B4-BE49-F238E27FC236}">
+                <a16:creationId xmlns:a16="http://schemas.microsoft.com/office/drawing/2014/main" id="{2EE73F48-DA97-8667-0330-1AD06609C70A}"/>
+              </a:ext>
+            </a:extLst>
+          </p:cNvPr>
+          <p:cNvPicPr>
+            <a:picLocks noChangeAspect="1"/>
+          </p:cNvPicPr>
+          <p:nvPr/>
+        </p:nvPicPr>
+        <p:blipFill>
+          <a:blip r:embed="rId2">
+            <a:alphaModFix amt="5000"/>
+          </a:blip>
+          <a:stretch>
+            <a:fillRect/>
+          </a:stretch>
+        </p:blipFill>
+        <p:spPr>
+          <a:xfrm>
+            <a:off x="0" y="-16418"/>
+            <a:ext cx="12192000" cy="6874418"/>
+          </a:xfrm>
+          <a:prstGeom prst="rect">
+            <a:avLst/>
+          </a:prstGeom>
+        </p:spPr>
+      </p:pic>
+      <p:sp>
+        <p:nvSpPr>
+          <p:cNvPr id="2" name="Título 1">
+            <a:extLst>
+              <a:ext uri="{FF2B5EF4-FFF2-40B4-BE49-F238E27FC236}">
+                <a16:creationId xmlns:a16="http://schemas.microsoft.com/office/drawing/2014/main" id="{D44FC48B-0FDB-FB1A-9FD2-B20A29EB05A8}"/>
+              </a:ext>
+            </a:extLst>
+          </p:cNvPr>
+          <p:cNvSpPr>
+            <a:spLocks noGrp="1"/>
+          </p:cNvSpPr>
+          <p:nvPr>
+            <p:ph type="title"/>
+          </p:nvPr>
+        </p:nvSpPr>
+        <p:spPr>
+          <a:xfrm>
+            <a:off x="2703576" y="2326876"/>
+            <a:ext cx="5879592" cy="1325563"/>
+          </a:xfrm>
+        </p:spPr>
+        <p:txBody>
+          <a:bodyPr>
+            <a:noAutofit/>
+          </a:bodyPr>
+          <a:lstStyle/>
+          <a:p>
+            <a:r>
+              <a:rPr lang="es-ES" sz="9600" b="1" dirty="0"/>
+              <a:t>G</a:t>
+            </a:r>
+            <a:r>
+              <a:rPr lang="en-US" sz="9600" b="1" dirty="0"/>
+              <a:t>RACIAS</a:t>
+            </a:r>
+          </a:p>
+        </p:txBody>
+      </p:sp>
+      <p:pic>
+        <p:nvPicPr>
+          <p:cNvPr id="4" name="Imagen 3" descr="Logotipo&#10;&#10;Descripción generada automáticamente">
+            <a:extLst>
+              <a:ext uri="{FF2B5EF4-FFF2-40B4-BE49-F238E27FC236}">
+                <a16:creationId xmlns:a16="http://schemas.microsoft.com/office/drawing/2014/main" id="{DEB058E6-F012-5BEB-130D-53B504BB1632}"/>
+              </a:ext>
+            </a:extLst>
+          </p:cNvPr>
+          <p:cNvPicPr>
+            <a:picLocks noChangeAspect="1"/>
+          </p:cNvPicPr>
+          <p:nvPr/>
+        </p:nvPicPr>
+        <p:blipFill>
+          <a:blip r:embed="rId3">
+            <a:extLst>
+              <a:ext uri="{28A0092B-C50C-407E-A947-70E740481C1C}">
+                <a14:useLocalDpi xmlns:a14="http://schemas.microsoft.com/office/drawing/2010/main" val="0"/>
+              </a:ext>
+            </a:extLst>
+          </a:blip>
+          <a:stretch>
+            <a:fillRect/>
+          </a:stretch>
+        </p:blipFill>
+        <p:spPr>
+          <a:xfrm>
+            <a:off x="0" y="5764617"/>
+            <a:ext cx="1735528" cy="1093383"/>
+          </a:xfrm>
+          <a:prstGeom prst="rect">
+            <a:avLst/>
+          </a:prstGeom>
+        </p:spPr>
+      </p:pic>
+      <p:sp>
+        <p:nvSpPr>
+          <p:cNvPr id="6" name="CuadroTexto 5">
+            <a:extLst>
+              <a:ext uri="{FF2B5EF4-FFF2-40B4-BE49-F238E27FC236}">
+                <a16:creationId xmlns:a16="http://schemas.microsoft.com/office/drawing/2014/main" id="{CBCEE3A9-8D6D-3420-2A31-B71F966CAFFC}"/>
+              </a:ext>
+            </a:extLst>
+          </p:cNvPr>
+          <p:cNvSpPr txBox="1"/>
+          <p:nvPr/>
+        </p:nvSpPr>
+        <p:spPr>
+          <a:xfrm>
+            <a:off x="9054058" y="6488668"/>
+            <a:ext cx="3137941" cy="369332"/>
+          </a:xfrm>
+          <a:prstGeom prst="rect">
+            <a:avLst/>
+          </a:prstGeom>
+          <a:noFill/>
+        </p:spPr>
+        <p:txBody>
+          <a:bodyPr wrap="square" rtlCol="0">
+            <a:spAutoFit/>
+          </a:bodyPr>
+          <a:lstStyle/>
+          <a:p>
+            <a:pPr algn="ctr"/>
+            <a:r>
+              <a:rPr lang="es-ES" dirty="0">
+                <a:solidFill>
+                  <a:schemeClr val="tx2">
+                    <a:lumMod val="75000"/>
+                    <a:lumOff val="25000"/>
+                  </a:schemeClr>
+                </a:solidFill>
+              </a:rPr>
+              <a:t>Fundamentos de </a:t>
+            </a:r>
+            <a:r>
+              <a:rPr lang="es-ES" dirty="0" err="1">
+                <a:solidFill>
+                  <a:schemeClr val="tx2">
+                    <a:lumMod val="75000"/>
+                    <a:lumOff val="25000"/>
+                  </a:schemeClr>
+                </a:solidFill>
+              </a:rPr>
+              <a:t>React</a:t>
+            </a:r>
+            <a:endParaRPr lang="es-ES" dirty="0">
+              <a:solidFill>
+                <a:schemeClr val="tx2">
+                  <a:lumMod val="75000"/>
+                  <a:lumOff val="25000"/>
+                </a:schemeClr>
+              </a:solidFill>
+            </a:endParaRPr>
+          </a:p>
+        </p:txBody>
+      </p:sp>
+    </p:spTree>
+    <p:extLst>
+      <p:ext uri="{BB962C8B-B14F-4D97-AF65-F5344CB8AC3E}">
+        <p14:creationId xmlns:p14="http://schemas.microsoft.com/office/powerpoint/2010/main" val="1856096924"/>
+      </p:ext>
+    </p:extLst>
+  </p:cSld>
+  <p:clrMapOvr>
+    <a:masterClrMapping/>
+  </p:clrMapOvr>
+</p:sld>
+</file>
+
 <file path=ppt/slides/slide2.xml><?xml version="1.0" encoding="utf-8"?>
 <p:sld xmlns:a="http://schemas.openxmlformats.org/drawingml/2006/main" xmlns:r="http://schemas.openxmlformats.org/officeDocument/2006/relationships" xmlns:p="http://schemas.openxmlformats.org/presentationml/2006/main">
   <p:cSld>
@@ -3868,7 +6642,7 @@
           <a:p>
             <a:r>
               <a:rPr lang="es-ES" dirty="0"/>
-              <a:t>Dominar JSX, crear componentes funcionales, entender composición.</a:t>
+              <a:t>Comprender JSX y crear componentes funcionales reutilizables.</a:t>
             </a:r>
             <a:endParaRPr lang="en-US" dirty="0"/>
           </a:p>
@@ -3958,218 +6732,130 @@
           <a:lstStyle/>
           <a:p>
             <a:r>
+              <a:rPr lang="es-ES" b="1" dirty="0"/>
+              <a:t>JSX y Componentes Funcionales</a:t>
+            </a:r>
+            <a:r>
+              <a:rPr lang="es-ES" dirty="0"/>
+              <a:t> </a:t>
+            </a:r>
+            <a:endParaRPr lang="es-ES" b="1" dirty="0"/>
+          </a:p>
+        </p:txBody>
+      </p:sp>
+      <p:sp>
+        <p:nvSpPr>
+          <p:cNvPr id="3" name="Marcador de contenido 2">
+            <a:extLst>
+              <a:ext uri="{FF2B5EF4-FFF2-40B4-BE49-F238E27FC236}">
+                <a16:creationId xmlns:a16="http://schemas.microsoft.com/office/drawing/2014/main" id="{C5AB6C22-AE67-28A0-2140-40AC49607134}"/>
+              </a:ext>
+            </a:extLst>
+          </p:cNvPr>
+          <p:cNvSpPr>
+            <a:spLocks noGrp="1"/>
+          </p:cNvSpPr>
+          <p:nvPr>
+            <p:ph idx="1"/>
+          </p:nvPr>
+        </p:nvSpPr>
+        <p:spPr/>
+        <p:txBody>
+          <a:bodyPr>
+            <a:normAutofit/>
+          </a:bodyPr>
+          <a:lstStyle/>
+          <a:p>
+            <a:endParaRPr lang="en-US" dirty="0"/>
+          </a:p>
+          <a:p>
+            <a:pPr lvl="1"/>
+            <a:r>
+              <a:rPr lang="en-US" b="1" dirty="0" err="1"/>
+              <a:t>Objetivos</a:t>
+            </a:r>
+            <a:r>
               <a:rPr lang="en-US" b="1" dirty="0"/>
-              <a:t>¿</a:t>
-            </a:r>
-            <a:r>
-              <a:rPr lang="en-US" b="1" dirty="0" err="1"/>
-              <a:t>Qué</a:t>
-            </a:r>
-            <a:r>
-              <a:rPr lang="en-US" b="1" dirty="0"/>
-              <a:t> es JSX?</a:t>
-            </a:r>
-            <a:endParaRPr lang="es-ES" b="1" dirty="0"/>
-          </a:p>
-        </p:txBody>
-      </p:sp>
-      <p:sp>
-        <p:nvSpPr>
-          <p:cNvPr id="3" name="Marcador de contenido 2">
-            <a:extLst>
-              <a:ext uri="{FF2B5EF4-FFF2-40B4-BE49-F238E27FC236}">
-                <a16:creationId xmlns:a16="http://schemas.microsoft.com/office/drawing/2014/main" id="{C5AB6C22-AE67-28A0-2140-40AC49607134}"/>
-              </a:ext>
-            </a:extLst>
-          </p:cNvPr>
-          <p:cNvSpPr>
-            <a:spLocks noGrp="1"/>
-          </p:cNvSpPr>
-          <p:nvPr>
-            <p:ph idx="1"/>
-          </p:nvPr>
-        </p:nvSpPr>
-        <p:spPr/>
-        <p:txBody>
-          <a:bodyPr>
-            <a:normAutofit fontScale="70000" lnSpcReduction="20000"/>
-          </a:bodyPr>
-          <a:lstStyle/>
-          <a:p>
-            <a:pPr lvl="0"/>
+              <a:t>: </a:t>
+            </a:r>
+          </a:p>
+          <a:p>
+            <a:pPr lvl="2"/>
             <a:r>
               <a:rPr lang="es-ES" dirty="0"/>
-              <a:t>Definición: JSX (JavaScript XML) es una extensión de sintaxis que combina HTML y JS, </a:t>
+              <a:t>Comprender JSX como la sintaxis declarativa de </a:t>
             </a:r>
             <a:r>
               <a:rPr lang="es-ES" dirty="0" err="1"/>
-              <a:t>transpilada</a:t>
+              <a:t>React</a:t>
             </a:r>
             <a:r>
               <a:rPr lang="es-ES" dirty="0"/>
-              <a:t> por Babel a </a:t>
+              <a:t>. </a:t>
+            </a:r>
+            <a:endParaRPr lang="en-US" dirty="0"/>
+          </a:p>
+          <a:p>
+            <a:pPr lvl="2"/>
+            <a:r>
+              <a:rPr lang="es-ES" dirty="0"/>
+              <a:t>Crear y reutilizar componentes funcionales. </a:t>
+            </a:r>
+            <a:endParaRPr lang="en-US" dirty="0"/>
+          </a:p>
+          <a:p>
+            <a:pPr lvl="2"/>
+            <a:r>
+              <a:rPr lang="es-ES" dirty="0"/>
+              <a:t>Entender cómo JSX se compila y su rol en la industria.</a:t>
+            </a:r>
+          </a:p>
+          <a:p>
+            <a:pPr lvl="2"/>
+            <a:endParaRPr lang="en-US" dirty="0"/>
+          </a:p>
+          <a:p>
+            <a:pPr lvl="1"/>
+            <a:r>
+              <a:rPr lang="es-ES" b="1" dirty="0"/>
+              <a:t>Importancia</a:t>
+            </a:r>
+            <a:r>
+              <a:rPr lang="es-ES" dirty="0"/>
+              <a:t>: JSX es la base para escribir interfaces en </a:t>
             </a:r>
             <a:r>
               <a:rPr lang="es-ES" dirty="0" err="1"/>
-              <a:t>React.createElement</a:t>
+              <a:t>React</a:t>
             </a:r>
             <a:r>
               <a:rPr lang="es-ES" dirty="0"/>
-              <a:t>().</a:t>
-            </a:r>
+              <a:t>; los componentes funcionales son el estándar moderno. </a:t>
+            </a:r>
+          </a:p>
+          <a:p>
+            <a:pPr lvl="1"/>
             <a:endParaRPr lang="en-US" dirty="0"/>
           </a:p>
           <a:p>
-            <a:pPr lvl="0"/>
-            <a:r>
-              <a:rPr lang="en-US" dirty="0" err="1"/>
-              <a:t>Características</a:t>
-            </a:r>
-            <a:r>
-              <a:rPr lang="en-US" dirty="0"/>
-              <a:t>: </a:t>
-            </a:r>
-          </a:p>
-          <a:p>
             <a:pPr lvl="1"/>
             <a:r>
-              <a:rPr lang="en-US" b="1" dirty="0" err="1"/>
-              <a:t>Azúcar</a:t>
-            </a:r>
-            <a:r>
-              <a:rPr lang="en-US" b="1" dirty="0"/>
-              <a:t> </a:t>
-            </a:r>
-            <a:r>
-              <a:rPr lang="en-US" b="1" dirty="0" err="1"/>
-              <a:t>Sintáctico</a:t>
-            </a:r>
-            <a:r>
-              <a:rPr lang="en-US" b="1" dirty="0"/>
-              <a:t> (</a:t>
-            </a:r>
-            <a:r>
               <a:rPr lang="es-ES" b="1" dirty="0"/>
-              <a:t>en programación se refiere a características de un lenguaje que hacen que el código sea más fácil de leer y escribir, sin cambiar su funcionalidad fundamental )</a:t>
-            </a:r>
-            <a:r>
-              <a:rPr lang="en-US" b="1" dirty="0"/>
-              <a:t>:</a:t>
-            </a:r>
-            <a:r>
-              <a:rPr lang="en-US" dirty="0"/>
-              <a:t> </a:t>
-            </a:r>
-          </a:p>
-          <a:p>
-            <a:r>
-              <a:rPr lang="en-US" dirty="0"/>
-              <a:t>Hola</a:t>
-            </a:r>
-          </a:p>
-          <a:p>
+              <a:t>Pregunta para Entrevistas</a:t>
+            </a:r>
             <a:r>
               <a:rPr lang="es-ES" dirty="0"/>
-              <a:t>se convierte en </a:t>
-            </a:r>
-            <a:r>
-              <a:rPr lang="es-ES" dirty="0" err="1"/>
-              <a:t>React.createElement</a:t>
-            </a:r>
-            <a:r>
-              <a:rPr lang="es-ES" dirty="0"/>
-              <a:t>('</a:t>
-            </a:r>
-            <a:r>
-              <a:rPr lang="es-ES" dirty="0" err="1"/>
-              <a:t>div</a:t>
-            </a:r>
-            <a:r>
-              <a:rPr lang="es-ES" dirty="0"/>
-              <a:t>', </a:t>
-            </a:r>
-            <a:r>
-              <a:rPr lang="es-ES" dirty="0" err="1"/>
-              <a:t>null</a:t>
-            </a:r>
-            <a:r>
-              <a:rPr lang="es-ES" dirty="0"/>
-              <a:t>, 'Hola’).</a:t>
-            </a:r>
-          </a:p>
-          <a:p>
+              <a:t>: ¿Qué es JSX y cómo se diferencia del HTML tradicional?</a:t>
+            </a:r>
+          </a:p>
+          <a:p>
+            <a:pPr lvl="1"/>
             <a:endParaRPr lang="en-US" dirty="0"/>
           </a:p>
           <a:p>
-            <a:pPr lvl="1"/>
-            <a:r>
-              <a:rPr lang="es-ES" b="1" dirty="0"/>
-              <a:t>Seguridad:</a:t>
-            </a:r>
-            <a:r>
-              <a:rPr lang="es-ES" dirty="0"/>
-              <a:t> Escapa valores para prevenir XSS (ej. {</a:t>
-            </a:r>
-            <a:r>
-              <a:rPr lang="es-ES" dirty="0" err="1"/>
-              <a:t>user.input</a:t>
-            </a:r>
-            <a:r>
-              <a:rPr lang="es-ES" dirty="0"/>
-              <a:t>} no ejecuta scripts).</a:t>
-            </a:r>
-            <a:endParaRPr lang="en-US" dirty="0"/>
-          </a:p>
-          <a:p>
-            <a:pPr lvl="1"/>
-            <a:r>
-              <a:rPr lang="es-ES" b="1" dirty="0"/>
-              <a:t>Expresiones JS:</a:t>
-            </a:r>
-            <a:r>
-              <a:rPr lang="es-ES" dirty="0"/>
-              <a:t> Usa {} para variables, cálculos, funciones.</a:t>
-            </a:r>
-            <a:endParaRPr lang="en-US" dirty="0"/>
-          </a:p>
-          <a:p>
-            <a:pPr lvl="0"/>
-            <a:r>
-              <a:rPr lang="en-US" dirty="0" err="1"/>
-              <a:t>Ejemplo</a:t>
-            </a:r>
-            <a:r>
-              <a:rPr lang="en-US" dirty="0"/>
-              <a:t>: </a:t>
-            </a:r>
-          </a:p>
-          <a:p>
-            <a:r>
-              <a:rPr lang="en-US" dirty="0" err="1"/>
-              <a:t>jsx</a:t>
-            </a:r>
-            <a:endParaRPr lang="en-US" dirty="0"/>
-          </a:p>
-          <a:p>
-            <a:r>
-              <a:rPr lang="en-US" dirty="0"/>
-              <a:t>const name = "Javier"</a:t>
-            </a:r>
-            <a:r>
-              <a:rPr lang="en-US" i="1" dirty="0"/>
-              <a:t>;</a:t>
-            </a:r>
-            <a:endParaRPr lang="en-US" dirty="0"/>
-          </a:p>
-          <a:p>
-            <a:r>
-              <a:rPr lang="en-US" dirty="0"/>
-              <a:t>const element = &lt;h1&gt;Hola, {name}!&lt;/h1&gt;</a:t>
-            </a:r>
-            <a:r>
-              <a:rPr lang="en-US" i="1" dirty="0"/>
-              <a:t>;</a:t>
-            </a:r>
+            <a:pPr marL="457200" lvl="1" indent="0">
+              <a:buNone/>
+            </a:pPr>
             <a:endParaRPr lang="en-US" dirty="0"/>
           </a:p>
         </p:txBody>
@@ -4286,6 +6972,843 @@
 </file>
 
 <file path=ppt/slides/slide4.xml><?xml version="1.0" encoding="utf-8"?>
+<p:sld xmlns:a="http://schemas.openxmlformats.org/drawingml/2006/main" xmlns:r="http://schemas.openxmlformats.org/officeDocument/2006/relationships" xmlns:p="http://schemas.openxmlformats.org/presentationml/2006/main">
+  <p:cSld>
+    <p:spTree>
+      <p:nvGrpSpPr>
+        <p:cNvPr id="1" name="">
+          <a:extLst>
+            <a:ext uri="{FF2B5EF4-FFF2-40B4-BE49-F238E27FC236}">
+              <a16:creationId xmlns:a16="http://schemas.microsoft.com/office/drawing/2014/main" id="{66CB5B17-5AFC-C92E-E986-7281D41C0C65}"/>
+            </a:ext>
+          </a:extLst>
+        </p:cNvPr>
+        <p:cNvGrpSpPr/>
+        <p:nvPr/>
+      </p:nvGrpSpPr>
+      <p:grpSpPr>
+        <a:xfrm>
+          <a:off x="0" y="0"/>
+          <a:ext cx="0" cy="0"/>
+          <a:chOff x="0" y="0"/>
+          <a:chExt cx="0" cy="0"/>
+        </a:xfrm>
+      </p:grpSpPr>
+      <p:pic>
+        <p:nvPicPr>
+          <p:cNvPr id="5" name="Imagen 4">
+            <a:extLst>
+              <a:ext uri="{FF2B5EF4-FFF2-40B4-BE49-F238E27FC236}">
+                <a16:creationId xmlns:a16="http://schemas.microsoft.com/office/drawing/2014/main" id="{6D98ECDF-6302-6245-BD5E-46A89AA8DF89}"/>
+              </a:ext>
+            </a:extLst>
+          </p:cNvPr>
+          <p:cNvPicPr>
+            <a:picLocks noChangeAspect="1"/>
+          </p:cNvPicPr>
+          <p:nvPr/>
+        </p:nvPicPr>
+        <p:blipFill>
+          <a:blip r:embed="rId2">
+            <a:alphaModFix amt="5000"/>
+          </a:blip>
+          <a:stretch>
+            <a:fillRect/>
+          </a:stretch>
+        </p:blipFill>
+        <p:spPr>
+          <a:xfrm>
+            <a:off x="0" y="-16418"/>
+            <a:ext cx="12192000" cy="6874418"/>
+          </a:xfrm>
+          <a:prstGeom prst="rect">
+            <a:avLst/>
+          </a:prstGeom>
+        </p:spPr>
+      </p:pic>
+      <p:sp>
+        <p:nvSpPr>
+          <p:cNvPr id="2" name="Título 1">
+            <a:extLst>
+              <a:ext uri="{FF2B5EF4-FFF2-40B4-BE49-F238E27FC236}">
+                <a16:creationId xmlns:a16="http://schemas.microsoft.com/office/drawing/2014/main" id="{E897ECC3-D069-64A9-5691-0024EB8C7BAC}"/>
+              </a:ext>
+            </a:extLst>
+          </p:cNvPr>
+          <p:cNvSpPr>
+            <a:spLocks noGrp="1"/>
+          </p:cNvSpPr>
+          <p:nvPr>
+            <p:ph type="title"/>
+          </p:nvPr>
+        </p:nvSpPr>
+        <p:spPr/>
+        <p:txBody>
+          <a:bodyPr/>
+          <a:lstStyle/>
+          <a:p>
+            <a:r>
+              <a:rPr lang="en-US" b="1" dirty="0"/>
+              <a:t>¿</a:t>
+            </a:r>
+            <a:r>
+              <a:rPr lang="en-US" b="1" dirty="0" err="1"/>
+              <a:t>Qué</a:t>
+            </a:r>
+            <a:r>
+              <a:rPr lang="en-US" b="1" dirty="0"/>
+              <a:t> es JSX?</a:t>
+            </a:r>
+            <a:endParaRPr lang="es-ES" b="1" dirty="0"/>
+          </a:p>
+        </p:txBody>
+      </p:sp>
+      <p:sp>
+        <p:nvSpPr>
+          <p:cNvPr id="3" name="Marcador de contenido 2">
+            <a:extLst>
+              <a:ext uri="{FF2B5EF4-FFF2-40B4-BE49-F238E27FC236}">
+                <a16:creationId xmlns:a16="http://schemas.microsoft.com/office/drawing/2014/main" id="{8CA807AB-16A8-2B7E-6750-A46BFB1E1670}"/>
+              </a:ext>
+            </a:extLst>
+          </p:cNvPr>
+          <p:cNvSpPr>
+            <a:spLocks noGrp="1"/>
+          </p:cNvSpPr>
+          <p:nvPr>
+            <p:ph idx="1"/>
+          </p:nvPr>
+        </p:nvSpPr>
+        <p:spPr/>
+        <p:txBody>
+          <a:bodyPr>
+            <a:normAutofit fontScale="70000" lnSpcReduction="20000"/>
+          </a:bodyPr>
+          <a:lstStyle/>
+          <a:p>
+            <a:pPr lvl="0"/>
+            <a:r>
+              <a:rPr lang="es-ES" b="1" dirty="0"/>
+              <a:t>Definición: </a:t>
+            </a:r>
+            <a:r>
+              <a:rPr lang="es-ES" dirty="0"/>
+              <a:t>JSX (JavaScript XML) es una extensión de sintaxis que combina HTML y JS, </a:t>
+            </a:r>
+            <a:r>
+              <a:rPr lang="es-ES" dirty="0" err="1"/>
+              <a:t>transpilada</a:t>
+            </a:r>
+            <a:r>
+              <a:rPr lang="es-ES" dirty="0"/>
+              <a:t> por Babel a </a:t>
+            </a:r>
+            <a:r>
+              <a:rPr lang="es-ES" dirty="0" err="1"/>
+              <a:t>React.createElement</a:t>
+            </a:r>
+            <a:r>
+              <a:rPr lang="es-ES" dirty="0"/>
+              <a:t>().</a:t>
+            </a:r>
+            <a:endParaRPr lang="en-US" dirty="0"/>
+          </a:p>
+          <a:p>
+            <a:pPr lvl="0"/>
+            <a:r>
+              <a:rPr lang="en-US" b="1" dirty="0" err="1"/>
+              <a:t>Características</a:t>
+            </a:r>
+            <a:r>
+              <a:rPr lang="en-US" b="1" dirty="0"/>
+              <a:t>: </a:t>
+            </a:r>
+          </a:p>
+          <a:p>
+            <a:pPr lvl="1"/>
+            <a:r>
+              <a:rPr lang="en-US" b="1" dirty="0" err="1"/>
+              <a:t>Azúcar</a:t>
+            </a:r>
+            <a:r>
+              <a:rPr lang="en-US" b="1" dirty="0"/>
+              <a:t> </a:t>
+            </a:r>
+            <a:r>
+              <a:rPr lang="en-US" b="1" dirty="0" err="1"/>
+              <a:t>Sintáctico</a:t>
+            </a:r>
+            <a:r>
+              <a:rPr lang="en-US" b="1" dirty="0"/>
+              <a:t> (</a:t>
+            </a:r>
+            <a:r>
+              <a:rPr lang="es-ES" b="1" dirty="0"/>
+              <a:t>en programación se refiere a características de un lenguaje que hacen que el código sea más fácil de leer y escribir, sin cambiar su funcionalidad fundamental )</a:t>
+            </a:r>
+            <a:r>
+              <a:rPr lang="en-US" b="1" dirty="0"/>
+              <a:t>:</a:t>
+            </a:r>
+            <a:r>
+              <a:rPr lang="en-US" dirty="0"/>
+              <a:t> </a:t>
+            </a:r>
+          </a:p>
+          <a:p>
+            <a:r>
+              <a:rPr lang="en-US" dirty="0"/>
+              <a:t>Hola</a:t>
+            </a:r>
+          </a:p>
+          <a:p>
+            <a:r>
+              <a:rPr lang="es-ES" dirty="0"/>
+              <a:t>se convierte en </a:t>
+            </a:r>
+            <a:r>
+              <a:rPr lang="es-ES" dirty="0" err="1"/>
+              <a:t>React.createElement</a:t>
+            </a:r>
+            <a:r>
+              <a:rPr lang="es-ES" dirty="0"/>
+              <a:t>('</a:t>
+            </a:r>
+            <a:r>
+              <a:rPr lang="es-ES" dirty="0" err="1"/>
+              <a:t>div</a:t>
+            </a:r>
+            <a:r>
+              <a:rPr lang="es-ES" dirty="0"/>
+              <a:t>', </a:t>
+            </a:r>
+            <a:r>
+              <a:rPr lang="es-ES" dirty="0" err="1"/>
+              <a:t>null</a:t>
+            </a:r>
+            <a:r>
+              <a:rPr lang="es-ES" dirty="0"/>
+              <a:t>, 'Hola’).</a:t>
+            </a:r>
+          </a:p>
+          <a:p>
+            <a:endParaRPr lang="en-US" dirty="0"/>
+          </a:p>
+          <a:p>
+            <a:pPr lvl="1"/>
+            <a:r>
+              <a:rPr lang="es-ES" b="1" dirty="0"/>
+              <a:t>Seguridad:</a:t>
+            </a:r>
+            <a:r>
+              <a:rPr lang="es-ES" dirty="0"/>
+              <a:t> Escapa valores para prevenir XSS (ej. {</a:t>
+            </a:r>
+            <a:r>
+              <a:rPr lang="es-ES" dirty="0" err="1"/>
+              <a:t>user.input</a:t>
+            </a:r>
+            <a:r>
+              <a:rPr lang="es-ES" dirty="0"/>
+              <a:t>} no ejecuta scripts).</a:t>
+            </a:r>
+            <a:endParaRPr lang="en-US" dirty="0"/>
+          </a:p>
+          <a:p>
+            <a:pPr lvl="1"/>
+            <a:r>
+              <a:rPr lang="es-ES" b="1" dirty="0"/>
+              <a:t>Expresiones JS:</a:t>
+            </a:r>
+            <a:r>
+              <a:rPr lang="es-ES" dirty="0"/>
+              <a:t> Usa {} para variables, cálculos, funciones.</a:t>
+            </a:r>
+            <a:endParaRPr lang="en-US" dirty="0"/>
+          </a:p>
+          <a:p>
+            <a:pPr lvl="0"/>
+            <a:r>
+              <a:rPr lang="en-US" dirty="0" err="1"/>
+              <a:t>Ejemplo</a:t>
+            </a:r>
+            <a:r>
+              <a:rPr lang="en-US" dirty="0"/>
+              <a:t>: </a:t>
+            </a:r>
+          </a:p>
+          <a:p>
+            <a:r>
+              <a:rPr lang="en-US" dirty="0" err="1"/>
+              <a:t>jsx</a:t>
+            </a:r>
+            <a:endParaRPr lang="en-US" dirty="0"/>
+          </a:p>
+          <a:p>
+            <a:r>
+              <a:rPr lang="en-US" dirty="0"/>
+              <a:t>const name = "Javier"</a:t>
+            </a:r>
+            <a:r>
+              <a:rPr lang="en-US" i="1" dirty="0"/>
+              <a:t>;</a:t>
+            </a:r>
+            <a:endParaRPr lang="en-US" dirty="0"/>
+          </a:p>
+          <a:p>
+            <a:r>
+              <a:rPr lang="en-US" dirty="0"/>
+              <a:t>const element = &lt;h1&gt;Hola, {name}!&lt;/h1&gt;</a:t>
+            </a:r>
+            <a:r>
+              <a:rPr lang="en-US" i="1" dirty="0"/>
+              <a:t>;</a:t>
+            </a:r>
+            <a:endParaRPr lang="en-US" dirty="0"/>
+          </a:p>
+        </p:txBody>
+      </p:sp>
+      <p:pic>
+        <p:nvPicPr>
+          <p:cNvPr id="4" name="Imagen 3" descr="Logotipo&#10;&#10;Descripción generada automáticamente">
+            <a:extLst>
+              <a:ext uri="{FF2B5EF4-FFF2-40B4-BE49-F238E27FC236}">
+                <a16:creationId xmlns:a16="http://schemas.microsoft.com/office/drawing/2014/main" id="{044B1B9C-2A73-4108-E22C-45CBA2AD6BB3}"/>
+              </a:ext>
+            </a:extLst>
+          </p:cNvPr>
+          <p:cNvPicPr>
+            <a:picLocks noChangeAspect="1"/>
+          </p:cNvPicPr>
+          <p:nvPr/>
+        </p:nvPicPr>
+        <p:blipFill>
+          <a:blip r:embed="rId3">
+            <a:extLst>
+              <a:ext uri="{28A0092B-C50C-407E-A947-70E740481C1C}">
+                <a14:useLocalDpi xmlns:a14="http://schemas.microsoft.com/office/drawing/2010/main" val="0"/>
+              </a:ext>
+            </a:extLst>
+          </a:blip>
+          <a:stretch>
+            <a:fillRect/>
+          </a:stretch>
+        </p:blipFill>
+        <p:spPr>
+          <a:xfrm>
+            <a:off x="0" y="5967008"/>
+            <a:ext cx="1414272" cy="890992"/>
+          </a:xfrm>
+          <a:prstGeom prst="rect">
+            <a:avLst/>
+          </a:prstGeom>
+        </p:spPr>
+      </p:pic>
+      <p:sp>
+        <p:nvSpPr>
+          <p:cNvPr id="6" name="CuadroTexto 5">
+            <a:extLst>
+              <a:ext uri="{FF2B5EF4-FFF2-40B4-BE49-F238E27FC236}">
+                <a16:creationId xmlns:a16="http://schemas.microsoft.com/office/drawing/2014/main" id="{789AA1C0-47AC-F223-4CE9-B6A9331842C9}"/>
+              </a:ext>
+            </a:extLst>
+          </p:cNvPr>
+          <p:cNvSpPr txBox="1"/>
+          <p:nvPr/>
+        </p:nvSpPr>
+        <p:spPr>
+          <a:xfrm>
+            <a:off x="9054058" y="6488668"/>
+            <a:ext cx="3137941" cy="369332"/>
+          </a:xfrm>
+          <a:prstGeom prst="rect">
+            <a:avLst/>
+          </a:prstGeom>
+          <a:noFill/>
+        </p:spPr>
+        <p:txBody>
+          <a:bodyPr wrap="square" rtlCol="0">
+            <a:spAutoFit/>
+          </a:bodyPr>
+          <a:lstStyle/>
+          <a:p>
+            <a:pPr algn="ctr"/>
+            <a:r>
+              <a:rPr lang="es-ES" dirty="0">
+                <a:solidFill>
+                  <a:schemeClr val="tx2">
+                    <a:lumMod val="75000"/>
+                    <a:lumOff val="25000"/>
+                  </a:schemeClr>
+                </a:solidFill>
+              </a:rPr>
+              <a:t>Fundamentos de </a:t>
+            </a:r>
+            <a:r>
+              <a:rPr lang="es-ES" dirty="0" err="1">
+                <a:solidFill>
+                  <a:schemeClr val="tx2">
+                    <a:lumMod val="75000"/>
+                    <a:lumOff val="25000"/>
+                  </a:schemeClr>
+                </a:solidFill>
+              </a:rPr>
+              <a:t>React</a:t>
+            </a:r>
+            <a:endParaRPr lang="es-ES" dirty="0">
+              <a:solidFill>
+                <a:schemeClr val="tx2">
+                  <a:lumMod val="75000"/>
+                  <a:lumOff val="25000"/>
+                </a:schemeClr>
+              </a:solidFill>
+            </a:endParaRPr>
+          </a:p>
+        </p:txBody>
+      </p:sp>
+    </p:spTree>
+    <p:extLst>
+      <p:ext uri="{BB962C8B-B14F-4D97-AF65-F5344CB8AC3E}">
+        <p14:creationId xmlns:p14="http://schemas.microsoft.com/office/powerpoint/2010/main" val="1013040850"/>
+      </p:ext>
+    </p:extLst>
+  </p:cSld>
+  <p:clrMapOvr>
+    <a:masterClrMapping/>
+  </p:clrMapOvr>
+</p:sld>
+</file>
+
+<file path=ppt/slides/slide5.xml><?xml version="1.0" encoding="utf-8"?>
+<p:sld xmlns:a="http://schemas.openxmlformats.org/drawingml/2006/main" xmlns:r="http://schemas.openxmlformats.org/officeDocument/2006/relationships" xmlns:p="http://schemas.openxmlformats.org/presentationml/2006/main">
+  <p:cSld>
+    <p:spTree>
+      <p:nvGrpSpPr>
+        <p:cNvPr id="1" name="">
+          <a:extLst>
+            <a:ext uri="{FF2B5EF4-FFF2-40B4-BE49-F238E27FC236}">
+              <a16:creationId xmlns:a16="http://schemas.microsoft.com/office/drawing/2014/main" id="{906FE7F9-E350-3F2F-D176-A0133BB7D5DC}"/>
+            </a:ext>
+          </a:extLst>
+        </p:cNvPr>
+        <p:cNvGrpSpPr/>
+        <p:nvPr/>
+      </p:nvGrpSpPr>
+      <p:grpSpPr>
+        <a:xfrm>
+          <a:off x="0" y="0"/>
+          <a:ext cx="0" cy="0"/>
+          <a:chOff x="0" y="0"/>
+          <a:chExt cx="0" cy="0"/>
+        </a:xfrm>
+      </p:grpSpPr>
+      <p:pic>
+        <p:nvPicPr>
+          <p:cNvPr id="5" name="Imagen 4">
+            <a:extLst>
+              <a:ext uri="{FF2B5EF4-FFF2-40B4-BE49-F238E27FC236}">
+                <a16:creationId xmlns:a16="http://schemas.microsoft.com/office/drawing/2014/main" id="{E88862A4-DD08-8D42-6E17-460585558E0B}"/>
+              </a:ext>
+            </a:extLst>
+          </p:cNvPr>
+          <p:cNvPicPr>
+            <a:picLocks noChangeAspect="1"/>
+          </p:cNvPicPr>
+          <p:nvPr/>
+        </p:nvPicPr>
+        <p:blipFill>
+          <a:blip r:embed="rId2">
+            <a:alphaModFix amt="5000"/>
+          </a:blip>
+          <a:stretch>
+            <a:fillRect/>
+          </a:stretch>
+        </p:blipFill>
+        <p:spPr>
+          <a:xfrm>
+            <a:off x="0" y="-16418"/>
+            <a:ext cx="12192000" cy="6874418"/>
+          </a:xfrm>
+          <a:prstGeom prst="rect">
+            <a:avLst/>
+          </a:prstGeom>
+        </p:spPr>
+      </p:pic>
+      <p:sp>
+        <p:nvSpPr>
+          <p:cNvPr id="2" name="Título 1">
+            <a:extLst>
+              <a:ext uri="{FF2B5EF4-FFF2-40B4-BE49-F238E27FC236}">
+                <a16:creationId xmlns:a16="http://schemas.microsoft.com/office/drawing/2014/main" id="{BF18285B-CF30-A583-113C-9DF9219DCE39}"/>
+              </a:ext>
+            </a:extLst>
+          </p:cNvPr>
+          <p:cNvSpPr>
+            <a:spLocks noGrp="1"/>
+          </p:cNvSpPr>
+          <p:nvPr>
+            <p:ph type="title"/>
+          </p:nvPr>
+        </p:nvSpPr>
+        <p:spPr/>
+        <p:txBody>
+          <a:bodyPr/>
+          <a:lstStyle/>
+          <a:p>
+            <a:r>
+              <a:rPr lang="en-US" b="1" dirty="0"/>
+              <a:t>¿</a:t>
+            </a:r>
+            <a:r>
+              <a:rPr lang="en-US" b="1" dirty="0" err="1"/>
+              <a:t>Qué</a:t>
+            </a:r>
+            <a:r>
+              <a:rPr lang="en-US" b="1" dirty="0"/>
+              <a:t> es JSX?</a:t>
+            </a:r>
+            <a:endParaRPr lang="es-ES" b="1" dirty="0"/>
+          </a:p>
+        </p:txBody>
+      </p:sp>
+      <p:sp>
+        <p:nvSpPr>
+          <p:cNvPr id="3" name="Marcador de contenido 2">
+            <a:extLst>
+              <a:ext uri="{FF2B5EF4-FFF2-40B4-BE49-F238E27FC236}">
+                <a16:creationId xmlns:a16="http://schemas.microsoft.com/office/drawing/2014/main" id="{38661267-51AA-BF25-A96A-8FE37FC3F2C7}"/>
+              </a:ext>
+            </a:extLst>
+          </p:cNvPr>
+          <p:cNvSpPr>
+            <a:spLocks noGrp="1"/>
+          </p:cNvSpPr>
+          <p:nvPr>
+            <p:ph idx="1"/>
+          </p:nvPr>
+        </p:nvSpPr>
+        <p:spPr/>
+        <p:txBody>
+          <a:bodyPr>
+            <a:normAutofit fontScale="92500" lnSpcReduction="20000"/>
+          </a:bodyPr>
+          <a:lstStyle/>
+          <a:p>
+            <a:endParaRPr lang="en-US" dirty="0"/>
+          </a:p>
+          <a:p>
+            <a:pPr lvl="1"/>
+            <a:r>
+              <a:rPr lang="en-US" b="1" dirty="0" err="1"/>
+              <a:t>Cómo</a:t>
+            </a:r>
+            <a:r>
+              <a:rPr lang="en-US" b="1" dirty="0"/>
+              <a:t> </a:t>
+            </a:r>
+            <a:r>
+              <a:rPr lang="en-US" b="1" dirty="0" err="1"/>
+              <a:t>Funciona</a:t>
+            </a:r>
+            <a:r>
+              <a:rPr lang="en-US" dirty="0"/>
+              <a:t>: </a:t>
+            </a:r>
+          </a:p>
+          <a:p>
+            <a:pPr lvl="2"/>
+            <a:r>
+              <a:rPr lang="es-ES" dirty="0"/>
+              <a:t>JSX no es HTML, sino azúcar sintáctico que se compila a llamadas de </a:t>
+            </a:r>
+            <a:r>
+              <a:rPr lang="es-ES" dirty="0" err="1"/>
+              <a:t>React.createElement</a:t>
+            </a:r>
+            <a:r>
+              <a:rPr lang="es-ES" dirty="0"/>
+              <a:t>(). </a:t>
+            </a:r>
+            <a:endParaRPr lang="en-US" dirty="0"/>
+          </a:p>
+          <a:p>
+            <a:pPr lvl="2"/>
+            <a:r>
+              <a:rPr lang="en-US" dirty="0" err="1"/>
+              <a:t>Ejemplo</a:t>
+            </a:r>
+            <a:r>
+              <a:rPr lang="en-US" dirty="0"/>
+              <a:t>: </a:t>
+            </a:r>
+          </a:p>
+          <a:p>
+            <a:pPr marL="914400" lvl="2" indent="0">
+              <a:buNone/>
+            </a:pPr>
+            <a:endParaRPr lang="en-US" dirty="0"/>
+          </a:p>
+          <a:p>
+            <a:pPr lvl="2"/>
+            <a:r>
+              <a:rPr lang="en-US" dirty="0"/>
+              <a:t>const element = &lt;h1&gt;Hola, {name}!&lt;/h1&gt;;</a:t>
+            </a:r>
+          </a:p>
+          <a:p>
+            <a:pPr lvl="2"/>
+            <a:endParaRPr lang="en-US" dirty="0"/>
+          </a:p>
+          <a:p>
+            <a:pPr lvl="2"/>
+            <a:r>
+              <a:rPr lang="en-US" dirty="0"/>
+              <a:t>const element = </a:t>
+            </a:r>
+            <a:r>
+              <a:rPr lang="en-US" dirty="0" err="1"/>
+              <a:t>React.createElement</a:t>
+            </a:r>
+            <a:r>
+              <a:rPr lang="en-US" dirty="0"/>
+              <a:t>("h1", null, "Hola, ", name);</a:t>
+            </a:r>
+          </a:p>
+          <a:p>
+            <a:pPr lvl="1"/>
+            <a:r>
+              <a:rPr lang="en-US" b="1" dirty="0"/>
+              <a:t>Reglas Clave</a:t>
+            </a:r>
+            <a:r>
+              <a:rPr lang="en-US" dirty="0"/>
+              <a:t>: </a:t>
+            </a:r>
+          </a:p>
+          <a:p>
+            <a:pPr lvl="2"/>
+            <a:r>
+              <a:rPr lang="es-ES" b="1" dirty="0"/>
+              <a:t>Elemento Raíz Único</a:t>
+            </a:r>
+            <a:r>
+              <a:rPr lang="es-ES" dirty="0"/>
+              <a:t>: Todo JSX debe estar envuelto en un solo elemento (ej. </a:t>
+            </a:r>
+            <a:r>
+              <a:rPr lang="en-US" dirty="0"/>
+              <a:t>&lt;div&gt; o &lt;</a:t>
+            </a:r>
+            <a:r>
+              <a:rPr lang="en-US" dirty="0" err="1"/>
+              <a:t>React.Fragment</a:t>
+            </a:r>
+            <a:r>
+              <a:rPr lang="en-US" dirty="0"/>
+              <a:t>&gt;). </a:t>
+            </a:r>
+          </a:p>
+          <a:p>
+            <a:pPr lvl="2"/>
+            <a:r>
+              <a:rPr lang="es-ES" b="1" dirty="0"/>
+              <a:t>Atributos en </a:t>
+            </a:r>
+            <a:r>
+              <a:rPr lang="es-ES" b="1" dirty="0" err="1"/>
+              <a:t>camelCase</a:t>
+            </a:r>
+            <a:r>
+              <a:rPr lang="es-ES" dirty="0"/>
+              <a:t>: className en lugar de </a:t>
+            </a:r>
+            <a:r>
+              <a:rPr lang="es-ES" dirty="0" err="1"/>
+              <a:t>class</a:t>
+            </a:r>
+            <a:r>
+              <a:rPr lang="es-ES" dirty="0"/>
+              <a:t>, </a:t>
+            </a:r>
+            <a:r>
+              <a:rPr lang="es-ES" dirty="0" err="1"/>
+              <a:t>onClick</a:t>
+            </a:r>
+            <a:r>
+              <a:rPr lang="es-ES" dirty="0"/>
+              <a:t> en lugar de </a:t>
+            </a:r>
+            <a:r>
+              <a:rPr lang="es-ES" dirty="0" err="1"/>
+              <a:t>onclick</a:t>
+            </a:r>
+            <a:r>
+              <a:rPr lang="es-ES" dirty="0"/>
+              <a:t>. </a:t>
+            </a:r>
+            <a:endParaRPr lang="en-US" dirty="0"/>
+          </a:p>
+          <a:p>
+            <a:pPr lvl="2"/>
+            <a:r>
+              <a:rPr lang="es-ES" b="1" dirty="0"/>
+              <a:t>Expresiones JS</a:t>
+            </a:r>
+            <a:r>
+              <a:rPr lang="es-ES" dirty="0"/>
+              <a:t>: Usa {} para inyectar variables, funciones, o cálculos (ej. </a:t>
+            </a:r>
+            <a:r>
+              <a:rPr lang="en-US" dirty="0"/>
+              <a:t>{2 + 2}). </a:t>
+            </a:r>
+          </a:p>
+          <a:p>
+            <a:pPr lvl="2"/>
+            <a:r>
+              <a:rPr lang="es-ES" b="1" dirty="0" err="1"/>
+              <a:t>Auto-cierre</a:t>
+            </a:r>
+            <a:r>
+              <a:rPr lang="es-ES" b="1" dirty="0"/>
+              <a:t> de Etiquetas</a:t>
+            </a:r>
+            <a:r>
+              <a:rPr lang="es-ES" dirty="0"/>
+              <a:t>: &lt;</a:t>
+            </a:r>
+            <a:r>
+              <a:rPr lang="es-ES" dirty="0" err="1"/>
+              <a:t>img</a:t>
+            </a:r>
+            <a:r>
+              <a:rPr lang="es-ES" dirty="0"/>
+              <a:t> /&gt; en lugar de &lt;</a:t>
+            </a:r>
+            <a:r>
+              <a:rPr lang="es-ES" dirty="0" err="1"/>
+              <a:t>img</a:t>
+            </a:r>
+            <a:r>
+              <a:rPr lang="es-ES" dirty="0"/>
+              <a:t>&gt;.</a:t>
+            </a:r>
+            <a:endParaRPr lang="en-US" dirty="0"/>
+          </a:p>
+        </p:txBody>
+      </p:sp>
+      <p:pic>
+        <p:nvPicPr>
+          <p:cNvPr id="4" name="Imagen 3" descr="Logotipo&#10;&#10;Descripción generada automáticamente">
+            <a:extLst>
+              <a:ext uri="{FF2B5EF4-FFF2-40B4-BE49-F238E27FC236}">
+                <a16:creationId xmlns:a16="http://schemas.microsoft.com/office/drawing/2014/main" id="{911AEA1E-66A1-2F87-A7C4-D4AD93D52183}"/>
+              </a:ext>
+            </a:extLst>
+          </p:cNvPr>
+          <p:cNvPicPr>
+            <a:picLocks noChangeAspect="1"/>
+          </p:cNvPicPr>
+          <p:nvPr/>
+        </p:nvPicPr>
+        <p:blipFill>
+          <a:blip r:embed="rId3">
+            <a:extLst>
+              <a:ext uri="{28A0092B-C50C-407E-A947-70E740481C1C}">
+                <a14:useLocalDpi xmlns:a14="http://schemas.microsoft.com/office/drawing/2010/main" val="0"/>
+              </a:ext>
+            </a:extLst>
+          </a:blip>
+          <a:stretch>
+            <a:fillRect/>
+          </a:stretch>
+        </p:blipFill>
+        <p:spPr>
+          <a:xfrm>
+            <a:off x="0" y="5998464"/>
+            <a:ext cx="1364342" cy="859536"/>
+          </a:xfrm>
+          <a:prstGeom prst="rect">
+            <a:avLst/>
+          </a:prstGeom>
+        </p:spPr>
+      </p:pic>
+      <p:sp>
+        <p:nvSpPr>
+          <p:cNvPr id="6" name="CuadroTexto 5">
+            <a:extLst>
+              <a:ext uri="{FF2B5EF4-FFF2-40B4-BE49-F238E27FC236}">
+                <a16:creationId xmlns:a16="http://schemas.microsoft.com/office/drawing/2014/main" id="{18353533-911D-9448-E13D-209600ED7BF1}"/>
+              </a:ext>
+            </a:extLst>
+          </p:cNvPr>
+          <p:cNvSpPr txBox="1"/>
+          <p:nvPr/>
+        </p:nvSpPr>
+        <p:spPr>
+          <a:xfrm>
+            <a:off x="9054058" y="6488668"/>
+            <a:ext cx="3137941" cy="369332"/>
+          </a:xfrm>
+          <a:prstGeom prst="rect">
+            <a:avLst/>
+          </a:prstGeom>
+          <a:noFill/>
+        </p:spPr>
+        <p:txBody>
+          <a:bodyPr wrap="square" rtlCol="0">
+            <a:spAutoFit/>
+          </a:bodyPr>
+          <a:lstStyle/>
+          <a:p>
+            <a:pPr algn="ctr"/>
+            <a:r>
+              <a:rPr lang="es-ES" dirty="0">
+                <a:solidFill>
+                  <a:schemeClr val="tx2">
+                    <a:lumMod val="75000"/>
+                    <a:lumOff val="25000"/>
+                  </a:schemeClr>
+                </a:solidFill>
+              </a:rPr>
+              <a:t>Fundamentos de </a:t>
+            </a:r>
+            <a:r>
+              <a:rPr lang="es-ES" dirty="0" err="1">
+                <a:solidFill>
+                  <a:schemeClr val="tx2">
+                    <a:lumMod val="75000"/>
+                    <a:lumOff val="25000"/>
+                  </a:schemeClr>
+                </a:solidFill>
+              </a:rPr>
+              <a:t>React</a:t>
+            </a:r>
+            <a:endParaRPr lang="es-ES" dirty="0">
+              <a:solidFill>
+                <a:schemeClr val="tx2">
+                  <a:lumMod val="75000"/>
+                  <a:lumOff val="25000"/>
+                </a:schemeClr>
+              </a:solidFill>
+            </a:endParaRPr>
+          </a:p>
+        </p:txBody>
+      </p:sp>
+    </p:spTree>
+    <p:extLst>
+      <p:ext uri="{BB962C8B-B14F-4D97-AF65-F5344CB8AC3E}">
+        <p14:creationId xmlns:p14="http://schemas.microsoft.com/office/powerpoint/2010/main" val="3808155692"/>
+      </p:ext>
+    </p:extLst>
+  </p:cSld>
+  <p:clrMapOvr>
+    <a:masterClrMapping/>
+  </p:clrMapOvr>
+</p:sld>
+</file>
+
+<file path=ppt/slides/slide6.xml><?xml version="1.0" encoding="utf-8"?>
 <p:sld xmlns:a="http://schemas.openxmlformats.org/drawingml/2006/main" xmlns:r="http://schemas.openxmlformats.org/officeDocument/2006/relationships" xmlns:p="http://schemas.openxmlformats.org/presentationml/2006/main">
   <p:cSld>
     <p:spTree>
@@ -4387,98 +7910,9 @@
         <p:spPr/>
         <p:txBody>
           <a:bodyPr>
-            <a:normAutofit fontScale="77500" lnSpcReduction="20000"/>
+            <a:normAutofit/>
           </a:bodyPr>
           <a:lstStyle/>
-          <a:p>
-            <a:pPr lvl="0"/>
-            <a:r>
-              <a:rPr lang="en-US" b="1" dirty="0"/>
-              <a:t>Reglas Clave:</a:t>
-            </a:r>
-            <a:r>
-              <a:rPr lang="en-US" dirty="0"/>
-              <a:t> </a:t>
-            </a:r>
-          </a:p>
-          <a:p>
-            <a:pPr lvl="1"/>
-            <a:r>
-              <a:rPr lang="es-ES" dirty="0"/>
-              <a:t>Tags deben cerrarse: &lt;</a:t>
-            </a:r>
-            <a:r>
-              <a:rPr lang="es-ES" dirty="0" err="1"/>
-              <a:t>img</a:t>
-            </a:r>
-            <a:r>
-              <a:rPr lang="es-ES" dirty="0"/>
-              <a:t> src="x"&gt;.</a:t>
-            </a:r>
-            <a:endParaRPr lang="en-US" dirty="0"/>
-          </a:p>
-          <a:p>
-            <a:pPr lvl="1"/>
-            <a:r>
-              <a:rPr lang="en-US" dirty="0" err="1"/>
-              <a:t>Atributos</a:t>
-            </a:r>
-            <a:r>
-              <a:rPr lang="en-US" dirty="0"/>
-              <a:t> camelCase: </a:t>
-            </a:r>
-            <a:r>
-              <a:rPr lang="en-US" dirty="0" err="1"/>
-              <a:t>className</a:t>
-            </a:r>
-            <a:r>
-              <a:rPr lang="en-US" dirty="0"/>
-              <a:t>, </a:t>
-            </a:r>
-            <a:r>
-              <a:rPr lang="en-US" dirty="0" err="1"/>
-              <a:t>onClick</a:t>
-            </a:r>
-            <a:r>
-              <a:rPr lang="en-US" dirty="0"/>
-              <a:t>.</a:t>
-            </a:r>
-          </a:p>
-          <a:p>
-            <a:pPr lvl="1"/>
-            <a:r>
-              <a:rPr lang="es-ES" dirty="0"/>
-              <a:t>Fragmentos: &lt;&gt;...&lt;/&gt; para múltiples elementos sin </a:t>
-            </a:r>
-            <a:r>
-              <a:rPr lang="es-ES" dirty="0" err="1"/>
-              <a:t>div</a:t>
-            </a:r>
-            <a:r>
-              <a:rPr lang="es-ES" dirty="0"/>
-              <a:t> extra.</a:t>
-            </a:r>
-            <a:endParaRPr lang="en-US" dirty="0"/>
-          </a:p>
-          <a:p>
-            <a:pPr lvl="1"/>
-            <a:r>
-              <a:rPr lang="en-US" dirty="0" err="1"/>
-              <a:t>Expresiones</a:t>
-            </a:r>
-            <a:r>
-              <a:rPr lang="en-US" dirty="0"/>
-              <a:t>: {2 + 2}, {user.name}, {condition &amp;&amp; </a:t>
-            </a:r>
-            <a:r>
-              <a:rPr lang="en-US" dirty="0" err="1"/>
-              <a:t>Mostrar</a:t>
-            </a:r>
-            <a:r>
-              <a:rPr lang="en-US" dirty="0"/>
-              <a:t>}.</a:t>
-            </a:r>
-          </a:p>
           <a:p>
             <a:pPr lvl="0"/>
             <a:r>
@@ -4661,7 +8095,7 @@
 </p:sld>
 </file>
 
-<file path=ppt/slides/slide5.xml><?xml version="1.0" encoding="utf-8"?>
+<file path=ppt/slides/slide7.xml><?xml version="1.0" encoding="utf-8"?>
 <p:sld xmlns:a="http://schemas.openxmlformats.org/drawingml/2006/main" xmlns:r="http://schemas.openxmlformats.org/officeDocument/2006/relationships" xmlns:p="http://schemas.openxmlformats.org/presentationml/2006/main">
   <p:cSld>
     <p:spTree>
@@ -4772,7 +8206,7 @@
         <p:spPr/>
         <p:txBody>
           <a:bodyPr>
-            <a:normAutofit fontScale="92500" lnSpcReduction="10000"/>
+            <a:normAutofit/>
           </a:bodyPr>
           <a:lstStyle/>
           <a:p>
@@ -4862,59 +8296,6 @@
               <a:rPr lang="en-US" dirty="0"/>
               <a:t>.</a:t>
             </a:r>
-          </a:p>
-          <a:p>
-            <a:pPr lvl="0"/>
-            <a:r>
-              <a:rPr lang="en-US" b="1" dirty="0" err="1"/>
-              <a:t>Ejemplo</a:t>
-            </a:r>
-            <a:r>
-              <a:rPr lang="en-US" b="1" dirty="0"/>
-              <a:t>: </a:t>
-            </a:r>
-          </a:p>
-          <a:p>
-            <a:r>
-              <a:rPr lang="en-US" dirty="0"/>
-              <a:t>function Welcome({ name }) {</a:t>
-            </a:r>
-          </a:p>
-          <a:p>
-            <a:r>
-              <a:rPr lang="en-US" dirty="0"/>
-              <a:t>  return &lt;h1&gt;¡Hola, {name}!&lt;/h1&gt;;</a:t>
-            </a:r>
-          </a:p>
-          <a:p>
-            <a:r>
-              <a:rPr lang="es-ES" dirty="0"/>
-              <a:t>}</a:t>
-            </a:r>
-            <a:endParaRPr lang="en-US" dirty="0"/>
-          </a:p>
-          <a:p>
-            <a:r>
-              <a:rPr lang="es-ES" dirty="0"/>
-              <a:t>// Uso: &lt;</a:t>
-            </a:r>
-            <a:r>
-              <a:rPr lang="es-ES" dirty="0" err="1"/>
-              <a:t>Welcome</a:t>
-            </a:r>
-            <a:r>
-              <a:rPr lang="es-ES" dirty="0"/>
-              <a:t> </a:t>
-            </a:r>
-            <a:r>
-              <a:rPr lang="es-ES" dirty="0" err="1"/>
-              <a:t>name</a:t>
-            </a:r>
-            <a:r>
-              <a:rPr lang="es-ES" dirty="0"/>
-              <a:t>="Javier" /&gt;</a:t>
-            </a:r>
-            <a:endParaRPr lang="en-US" dirty="0"/>
           </a:p>
         </p:txBody>
       </p:sp>
@@ -5029,7 +8410,372 @@
 </p:sld>
 </file>
 
-<file path=ppt/slides/slide6.xml><?xml version="1.0" encoding="utf-8"?>
+<file path=ppt/slides/slide8.xml><?xml version="1.0" encoding="utf-8"?>
+<p:sld xmlns:a="http://schemas.openxmlformats.org/drawingml/2006/main" xmlns:r="http://schemas.openxmlformats.org/officeDocument/2006/relationships" xmlns:p="http://schemas.openxmlformats.org/presentationml/2006/main">
+  <p:cSld>
+    <p:spTree>
+      <p:nvGrpSpPr>
+        <p:cNvPr id="1" name="">
+          <a:extLst>
+            <a:ext uri="{FF2B5EF4-FFF2-40B4-BE49-F238E27FC236}">
+              <a16:creationId xmlns:a16="http://schemas.microsoft.com/office/drawing/2014/main" id="{7D399EA3-82CE-9D6D-20DF-565EE5F88E5E}"/>
+            </a:ext>
+          </a:extLst>
+        </p:cNvPr>
+        <p:cNvGrpSpPr/>
+        <p:nvPr/>
+      </p:nvGrpSpPr>
+      <p:grpSpPr>
+        <a:xfrm>
+          <a:off x="0" y="0"/>
+          <a:ext cx="0" cy="0"/>
+          <a:chOff x="0" y="0"/>
+          <a:chExt cx="0" cy="0"/>
+        </a:xfrm>
+      </p:grpSpPr>
+      <p:pic>
+        <p:nvPicPr>
+          <p:cNvPr id="5" name="Imagen 4">
+            <a:extLst>
+              <a:ext uri="{FF2B5EF4-FFF2-40B4-BE49-F238E27FC236}">
+                <a16:creationId xmlns:a16="http://schemas.microsoft.com/office/drawing/2014/main" id="{6C5DFA09-36A1-A190-0558-BBB308AE046D}"/>
+              </a:ext>
+            </a:extLst>
+          </p:cNvPr>
+          <p:cNvPicPr>
+            <a:picLocks noChangeAspect="1"/>
+          </p:cNvPicPr>
+          <p:nvPr/>
+        </p:nvPicPr>
+        <p:blipFill>
+          <a:blip r:embed="rId2">
+            <a:alphaModFix amt="5000"/>
+          </a:blip>
+          <a:stretch>
+            <a:fillRect/>
+          </a:stretch>
+        </p:blipFill>
+        <p:spPr>
+          <a:xfrm>
+            <a:off x="0" y="-16418"/>
+            <a:ext cx="12192000" cy="6874418"/>
+          </a:xfrm>
+          <a:prstGeom prst="rect">
+            <a:avLst/>
+          </a:prstGeom>
+        </p:spPr>
+      </p:pic>
+      <p:sp>
+        <p:nvSpPr>
+          <p:cNvPr id="2" name="Título 1">
+            <a:extLst>
+              <a:ext uri="{FF2B5EF4-FFF2-40B4-BE49-F238E27FC236}">
+                <a16:creationId xmlns:a16="http://schemas.microsoft.com/office/drawing/2014/main" id="{24FD8D00-42B0-1F93-7261-636FACAB13DC}"/>
+              </a:ext>
+            </a:extLst>
+          </p:cNvPr>
+          <p:cNvSpPr>
+            <a:spLocks noGrp="1"/>
+          </p:cNvSpPr>
+          <p:nvPr>
+            <p:ph type="title"/>
+          </p:nvPr>
+        </p:nvSpPr>
+        <p:spPr/>
+        <p:txBody>
+          <a:bodyPr/>
+          <a:lstStyle/>
+          <a:p>
+            <a:r>
+              <a:rPr lang="en-US" b="1" dirty="0" err="1"/>
+              <a:t>Componentes</a:t>
+            </a:r>
+            <a:r>
+              <a:rPr lang="en-US" b="1" dirty="0"/>
+              <a:t> </a:t>
+            </a:r>
+            <a:r>
+              <a:rPr lang="en-US" b="1" dirty="0" err="1"/>
+              <a:t>Funcionales</a:t>
+            </a:r>
+            <a:endParaRPr lang="en-US" b="1" dirty="0"/>
+          </a:p>
+        </p:txBody>
+      </p:sp>
+      <p:sp>
+        <p:nvSpPr>
+          <p:cNvPr id="3" name="Marcador de contenido 2">
+            <a:extLst>
+              <a:ext uri="{FF2B5EF4-FFF2-40B4-BE49-F238E27FC236}">
+                <a16:creationId xmlns:a16="http://schemas.microsoft.com/office/drawing/2014/main" id="{1ABE79BD-1421-50C4-21CF-B5E71DA93E0B}"/>
+              </a:ext>
+            </a:extLst>
+          </p:cNvPr>
+          <p:cNvSpPr>
+            <a:spLocks noGrp="1"/>
+          </p:cNvSpPr>
+          <p:nvPr>
+            <p:ph idx="1"/>
+          </p:nvPr>
+        </p:nvSpPr>
+        <p:spPr/>
+        <p:txBody>
+          <a:bodyPr>
+            <a:normAutofit fontScale="92500" lnSpcReduction="20000"/>
+          </a:bodyPr>
+          <a:lstStyle/>
+          <a:p>
+            <a:pPr lvl="0"/>
+            <a:r>
+              <a:rPr lang="en-US" b="1" dirty="0" err="1"/>
+              <a:t>Ejemplo</a:t>
+            </a:r>
+            <a:r>
+              <a:rPr lang="en-US" b="1" dirty="0"/>
+              <a:t>: </a:t>
+            </a:r>
+          </a:p>
+          <a:p>
+            <a:pPr lvl="1"/>
+            <a:r>
+              <a:rPr lang="en-US" dirty="0"/>
+              <a:t>function Welcome({ name }) {</a:t>
+            </a:r>
+          </a:p>
+          <a:p>
+            <a:pPr lvl="1"/>
+            <a:r>
+              <a:rPr lang="en-US" dirty="0"/>
+              <a:t>  return &lt;h1&gt;¡Hola, {name}!&lt;/h1&gt;;</a:t>
+            </a:r>
+          </a:p>
+          <a:p>
+            <a:pPr lvl="1"/>
+            <a:r>
+              <a:rPr lang="es-ES" dirty="0"/>
+              <a:t>}</a:t>
+            </a:r>
+            <a:endParaRPr lang="en-US" dirty="0"/>
+          </a:p>
+          <a:p>
+            <a:pPr lvl="1"/>
+            <a:r>
+              <a:rPr lang="es-ES" dirty="0"/>
+              <a:t>// Uso: &lt;</a:t>
+            </a:r>
+            <a:r>
+              <a:rPr lang="es-ES" dirty="0" err="1"/>
+              <a:t>Welcome</a:t>
+            </a:r>
+            <a:r>
+              <a:rPr lang="es-ES" dirty="0"/>
+              <a:t> </a:t>
+            </a:r>
+            <a:r>
+              <a:rPr lang="es-ES" dirty="0" err="1"/>
+              <a:t>name</a:t>
+            </a:r>
+            <a:r>
+              <a:rPr lang="es-ES" dirty="0"/>
+              <a:t>="Javier" /&gt;</a:t>
+            </a:r>
+          </a:p>
+          <a:p>
+            <a:endParaRPr lang="en-US" dirty="0"/>
+          </a:p>
+          <a:p>
+            <a:r>
+              <a:rPr lang="en-US" b="1" dirty="0" err="1"/>
+              <a:t>Estructura</a:t>
+            </a:r>
+            <a:r>
+              <a:rPr lang="en-US" dirty="0"/>
+              <a:t>: </a:t>
+            </a:r>
+          </a:p>
+          <a:p>
+            <a:pPr lvl="1"/>
+            <a:r>
+              <a:rPr lang="en-US" dirty="0"/>
+              <a:t>import React from 'react';</a:t>
+            </a:r>
+          </a:p>
+          <a:p>
+            <a:pPr lvl="1"/>
+            <a:r>
+              <a:rPr lang="en-US" dirty="0"/>
+              <a:t>function Greeting() {</a:t>
+            </a:r>
+          </a:p>
+          <a:p>
+            <a:pPr lvl="1"/>
+            <a:r>
+              <a:rPr lang="en-US" dirty="0"/>
+              <a:t>  return &lt;h1&gt;</a:t>
+            </a:r>
+            <a:r>
+              <a:rPr lang="en-US" dirty="0" err="1"/>
+              <a:t>Bienvenidos</a:t>
+            </a:r>
+            <a:r>
+              <a:rPr lang="en-US" dirty="0"/>
+              <a:t> al Bootcamp de React!&lt;/h1&gt;;</a:t>
+            </a:r>
+          </a:p>
+          <a:p>
+            <a:pPr lvl="1"/>
+            <a:r>
+              <a:rPr lang="en-US" dirty="0"/>
+              <a:t>}</a:t>
+            </a:r>
+          </a:p>
+          <a:p>
+            <a:pPr lvl="1"/>
+            <a:r>
+              <a:rPr lang="en-US" dirty="0"/>
+              <a:t>export default Greeting;</a:t>
+            </a:r>
+          </a:p>
+          <a:p>
+            <a:pPr lvl="1"/>
+            <a:r>
+              <a:rPr lang="es-ES" b="1" dirty="0"/>
+              <a:t>Uso</a:t>
+            </a:r>
+            <a:r>
+              <a:rPr lang="es-ES" dirty="0"/>
+              <a:t>: &lt;</a:t>
+            </a:r>
+            <a:r>
+              <a:rPr lang="es-ES" dirty="0" err="1"/>
+              <a:t>Greeting</a:t>
+            </a:r>
+            <a:r>
+              <a:rPr lang="es-ES" dirty="0"/>
+              <a:t> /&gt; en otros componentes (ej. </a:t>
+            </a:r>
+            <a:r>
+              <a:rPr lang="en-US" dirty="0"/>
+              <a:t>App.js). </a:t>
+            </a:r>
+          </a:p>
+          <a:p>
+            <a:endParaRPr lang="en-US" dirty="0"/>
+          </a:p>
+        </p:txBody>
+      </p:sp>
+      <p:pic>
+        <p:nvPicPr>
+          <p:cNvPr id="4" name="Imagen 3" descr="Logotipo&#10;&#10;Descripción generada automáticamente">
+            <a:extLst>
+              <a:ext uri="{FF2B5EF4-FFF2-40B4-BE49-F238E27FC236}">
+                <a16:creationId xmlns:a16="http://schemas.microsoft.com/office/drawing/2014/main" id="{E77F912F-029E-8DA4-D094-E4DEFA1B507E}"/>
+              </a:ext>
+            </a:extLst>
+          </p:cNvPr>
+          <p:cNvPicPr>
+            <a:picLocks noChangeAspect="1"/>
+          </p:cNvPicPr>
+          <p:nvPr/>
+        </p:nvPicPr>
+        <p:blipFill>
+          <a:blip r:embed="rId3">
+            <a:extLst>
+              <a:ext uri="{28A0092B-C50C-407E-A947-70E740481C1C}">
+                <a14:useLocalDpi xmlns:a14="http://schemas.microsoft.com/office/drawing/2010/main" val="0"/>
+              </a:ext>
+            </a:extLst>
+          </a:blip>
+          <a:stretch>
+            <a:fillRect/>
+          </a:stretch>
+        </p:blipFill>
+        <p:spPr>
+          <a:xfrm>
+            <a:off x="0" y="6022848"/>
+            <a:ext cx="1325638" cy="835152"/>
+          </a:xfrm>
+          <a:prstGeom prst="rect">
+            <a:avLst/>
+          </a:prstGeom>
+        </p:spPr>
+      </p:pic>
+      <p:sp>
+        <p:nvSpPr>
+          <p:cNvPr id="6" name="CuadroTexto 5">
+            <a:extLst>
+              <a:ext uri="{FF2B5EF4-FFF2-40B4-BE49-F238E27FC236}">
+                <a16:creationId xmlns:a16="http://schemas.microsoft.com/office/drawing/2014/main" id="{17784BAF-3174-D8AA-023F-79C516D80CE6}"/>
+              </a:ext>
+            </a:extLst>
+          </p:cNvPr>
+          <p:cNvSpPr txBox="1"/>
+          <p:nvPr/>
+        </p:nvSpPr>
+        <p:spPr>
+          <a:xfrm>
+            <a:off x="9054058" y="6488668"/>
+            <a:ext cx="3137941" cy="369332"/>
+          </a:xfrm>
+          <a:prstGeom prst="rect">
+            <a:avLst/>
+          </a:prstGeom>
+          <a:noFill/>
+        </p:spPr>
+        <p:txBody>
+          <a:bodyPr wrap="square" rtlCol="0">
+            <a:spAutoFit/>
+          </a:bodyPr>
+          <a:lstStyle/>
+          <a:p>
+            <a:pPr algn="ctr"/>
+            <a:r>
+              <a:rPr lang="es-ES" dirty="0">
+                <a:solidFill>
+                  <a:schemeClr val="tx2">
+                    <a:lumMod val="75000"/>
+                    <a:lumOff val="25000"/>
+                  </a:schemeClr>
+                </a:solidFill>
+              </a:rPr>
+              <a:t>Fundamentos de </a:t>
+            </a:r>
+            <a:r>
+              <a:rPr lang="es-ES" dirty="0" err="1">
+                <a:solidFill>
+                  <a:schemeClr val="tx2">
+                    <a:lumMod val="75000"/>
+                    <a:lumOff val="25000"/>
+                  </a:schemeClr>
+                </a:solidFill>
+              </a:rPr>
+              <a:t>React</a:t>
+            </a:r>
+            <a:endParaRPr lang="es-ES" dirty="0">
+              <a:solidFill>
+                <a:schemeClr val="tx2">
+                  <a:lumMod val="75000"/>
+                  <a:lumOff val="25000"/>
+                </a:schemeClr>
+              </a:solidFill>
+            </a:endParaRPr>
+          </a:p>
+        </p:txBody>
+      </p:sp>
+    </p:spTree>
+    <p:extLst>
+      <p:ext uri="{BB962C8B-B14F-4D97-AF65-F5344CB8AC3E}">
+        <p14:creationId xmlns:p14="http://schemas.microsoft.com/office/powerpoint/2010/main" val="1059176859"/>
+      </p:ext>
+    </p:extLst>
+  </p:cSld>
+  <p:clrMapOvr>
+    <a:masterClrMapping/>
+  </p:clrMapOvr>
+</p:sld>
+</file>
+
+<file path=ppt/slides/slide9.xml><?xml version="1.0" encoding="utf-8"?>
 <p:sld xmlns:a="http://schemas.openxmlformats.org/drawingml/2006/main" xmlns:r="http://schemas.openxmlformats.org/officeDocument/2006/relationships" xmlns:p="http://schemas.openxmlformats.org/presentationml/2006/main">
   <p:cSld>
     <p:spTree>
@@ -5353,822 +9099,6 @@
     <p:extLst>
       <p:ext uri="{BB962C8B-B14F-4D97-AF65-F5344CB8AC3E}">
         <p14:creationId xmlns:p14="http://schemas.microsoft.com/office/powerpoint/2010/main" val="3894352190"/>
-      </p:ext>
-    </p:extLst>
-  </p:cSld>
-  <p:clrMapOvr>
-    <a:masterClrMapping/>
-  </p:clrMapOvr>
-</p:sld>
-</file>
-
-<file path=ppt/slides/slide7.xml><?xml version="1.0" encoding="utf-8"?>
-<p:sld xmlns:a="http://schemas.openxmlformats.org/drawingml/2006/main" xmlns:r="http://schemas.openxmlformats.org/officeDocument/2006/relationships" xmlns:p="http://schemas.openxmlformats.org/presentationml/2006/main">
-  <p:cSld>
-    <p:spTree>
-      <p:nvGrpSpPr>
-        <p:cNvPr id="1" name="">
-          <a:extLst>
-            <a:ext uri="{FF2B5EF4-FFF2-40B4-BE49-F238E27FC236}">
-              <a16:creationId xmlns:a16="http://schemas.microsoft.com/office/drawing/2014/main" id="{4FCCE4FC-1772-FB5B-7FC7-932C821FE4E4}"/>
-            </a:ext>
-          </a:extLst>
-        </p:cNvPr>
-        <p:cNvGrpSpPr/>
-        <p:nvPr/>
-      </p:nvGrpSpPr>
-      <p:grpSpPr>
-        <a:xfrm>
-          <a:off x="0" y="0"/>
-          <a:ext cx="0" cy="0"/>
-          <a:chOff x="0" y="0"/>
-          <a:chExt cx="0" cy="0"/>
-        </a:xfrm>
-      </p:grpSpPr>
-      <p:pic>
-        <p:nvPicPr>
-          <p:cNvPr id="5" name="Imagen 4">
-            <a:extLst>
-              <a:ext uri="{FF2B5EF4-FFF2-40B4-BE49-F238E27FC236}">
-                <a16:creationId xmlns:a16="http://schemas.microsoft.com/office/drawing/2014/main" id="{15EF3173-5690-BE81-4FB8-205526103424}"/>
-              </a:ext>
-            </a:extLst>
-          </p:cNvPr>
-          <p:cNvPicPr>
-            <a:picLocks noChangeAspect="1"/>
-          </p:cNvPicPr>
-          <p:nvPr/>
-        </p:nvPicPr>
-        <p:blipFill>
-          <a:blip r:embed="rId2">
-            <a:alphaModFix amt="5000"/>
-          </a:blip>
-          <a:stretch>
-            <a:fillRect/>
-          </a:stretch>
-        </p:blipFill>
-        <p:spPr>
-          <a:xfrm>
-            <a:off x="0" y="-16418"/>
-            <a:ext cx="12192000" cy="6874418"/>
-          </a:xfrm>
-          <a:prstGeom prst="rect">
-            <a:avLst/>
-          </a:prstGeom>
-        </p:spPr>
-      </p:pic>
-      <p:sp>
-        <p:nvSpPr>
-          <p:cNvPr id="2" name="Título 1">
-            <a:extLst>
-              <a:ext uri="{FF2B5EF4-FFF2-40B4-BE49-F238E27FC236}">
-                <a16:creationId xmlns:a16="http://schemas.microsoft.com/office/drawing/2014/main" id="{E5C89B19-3775-9CE7-4301-190618E501DC}"/>
-              </a:ext>
-            </a:extLst>
-          </p:cNvPr>
-          <p:cNvSpPr>
-            <a:spLocks noGrp="1"/>
-          </p:cNvSpPr>
-          <p:nvPr>
-            <p:ph type="title"/>
-          </p:nvPr>
-        </p:nvSpPr>
-        <p:spPr/>
-        <p:txBody>
-          <a:bodyPr/>
-          <a:lstStyle/>
-          <a:p>
-            <a:r>
-              <a:rPr lang="en-US" b="1" dirty="0" err="1"/>
-              <a:t>Práctica</a:t>
-            </a:r>
-            <a:endParaRPr lang="en-US" b="1" dirty="0"/>
-          </a:p>
-        </p:txBody>
-      </p:sp>
-      <p:sp>
-        <p:nvSpPr>
-          <p:cNvPr id="3" name="Marcador de contenido 2">
-            <a:extLst>
-              <a:ext uri="{FF2B5EF4-FFF2-40B4-BE49-F238E27FC236}">
-                <a16:creationId xmlns:a16="http://schemas.microsoft.com/office/drawing/2014/main" id="{F21ABC57-F1DA-CCC1-FFC2-D4F7D638402E}"/>
-              </a:ext>
-            </a:extLst>
-          </p:cNvPr>
-          <p:cNvSpPr>
-            <a:spLocks noGrp="1"/>
-          </p:cNvSpPr>
-          <p:nvPr>
-            <p:ph idx="1"/>
-          </p:nvPr>
-        </p:nvSpPr>
-        <p:spPr/>
-        <p:txBody>
-          <a:bodyPr/>
-          <a:lstStyle/>
-          <a:p>
-            <a:pPr lvl="0"/>
-            <a:r>
-              <a:rPr lang="es-ES" dirty="0"/>
-              <a:t>Crear componente </a:t>
-            </a:r>
-            <a:r>
-              <a:rPr lang="es-ES" dirty="0" err="1"/>
-              <a:t>Greeting</a:t>
-            </a:r>
-            <a:r>
-              <a:rPr lang="es-ES" dirty="0"/>
-              <a:t> personalizado con nombre y mensaje.</a:t>
-            </a:r>
-          </a:p>
-          <a:p>
-            <a:pPr lvl="0"/>
-            <a:endParaRPr lang="es-ES" dirty="0"/>
-          </a:p>
-          <a:p>
-            <a:pPr lvl="0"/>
-            <a:r>
-              <a:rPr lang="en-US" dirty="0" err="1"/>
-              <a:t>Preguntas</a:t>
-            </a:r>
-            <a:r>
-              <a:rPr lang="en-US" dirty="0"/>
-              <a:t> de </a:t>
-            </a:r>
-            <a:r>
-              <a:rPr lang="en-US" dirty="0" err="1"/>
-              <a:t>Comprensión</a:t>
-            </a:r>
-            <a:r>
-              <a:rPr lang="en-US" dirty="0"/>
-              <a:t>: </a:t>
-            </a:r>
-          </a:p>
-          <a:p>
-            <a:pPr lvl="1"/>
-            <a:r>
-              <a:rPr lang="en-US" dirty="0"/>
-              <a:t>¿</a:t>
-            </a:r>
-            <a:r>
-              <a:rPr lang="en-US" dirty="0" err="1"/>
-              <a:t>Qué</a:t>
-            </a:r>
-            <a:r>
-              <a:rPr lang="en-US" dirty="0"/>
-              <a:t> </a:t>
-            </a:r>
-            <a:r>
-              <a:rPr lang="en-US" dirty="0" err="1"/>
-              <a:t>transpila</a:t>
-            </a:r>
-            <a:r>
-              <a:rPr lang="en-US" dirty="0"/>
-              <a:t> JSX?</a:t>
-            </a:r>
-          </a:p>
-          <a:p>
-            <a:pPr lvl="1"/>
-            <a:r>
-              <a:rPr lang="es-ES" dirty="0"/>
-              <a:t>¿Por qué usar componentes funcionales?</a:t>
-            </a:r>
-            <a:endParaRPr lang="en-US" dirty="0"/>
-          </a:p>
-          <a:p>
-            <a:pPr lvl="1"/>
-            <a:r>
-              <a:rPr lang="en-US" dirty="0"/>
-              <a:t>¿</a:t>
-            </a:r>
-            <a:r>
-              <a:rPr lang="en-US" dirty="0" err="1"/>
-              <a:t>Qué</a:t>
-            </a:r>
-            <a:r>
-              <a:rPr lang="en-US" dirty="0"/>
-              <a:t> es un </a:t>
-            </a:r>
-            <a:r>
-              <a:rPr lang="en-US" dirty="0" err="1"/>
-              <a:t>fragmento</a:t>
-            </a:r>
-            <a:r>
-              <a:rPr lang="en-US" dirty="0"/>
-              <a:t>?</a:t>
-            </a:r>
-          </a:p>
-          <a:p>
-            <a:pPr lvl="0"/>
-            <a:endParaRPr lang="en-US" dirty="0"/>
-          </a:p>
-        </p:txBody>
-      </p:sp>
-      <p:pic>
-        <p:nvPicPr>
-          <p:cNvPr id="4" name="Imagen 3" descr="Logotipo&#10;&#10;Descripción generada automáticamente">
-            <a:extLst>
-              <a:ext uri="{FF2B5EF4-FFF2-40B4-BE49-F238E27FC236}">
-                <a16:creationId xmlns:a16="http://schemas.microsoft.com/office/drawing/2014/main" id="{8490B8CF-6960-944C-5074-BE7AB4F3D769}"/>
-              </a:ext>
-            </a:extLst>
-          </p:cNvPr>
-          <p:cNvPicPr>
-            <a:picLocks noChangeAspect="1"/>
-          </p:cNvPicPr>
-          <p:nvPr/>
-        </p:nvPicPr>
-        <p:blipFill>
-          <a:blip r:embed="rId3">
-            <a:extLst>
-              <a:ext uri="{28A0092B-C50C-407E-A947-70E740481C1C}">
-                <a14:useLocalDpi xmlns:a14="http://schemas.microsoft.com/office/drawing/2010/main" val="0"/>
-              </a:ext>
-            </a:extLst>
-          </a:blip>
-          <a:stretch>
-            <a:fillRect/>
-          </a:stretch>
-        </p:blipFill>
-        <p:spPr>
-          <a:xfrm>
-            <a:off x="0" y="5764617"/>
-            <a:ext cx="1735528" cy="1093383"/>
-          </a:xfrm>
-          <a:prstGeom prst="rect">
-            <a:avLst/>
-          </a:prstGeom>
-        </p:spPr>
-      </p:pic>
-      <p:sp>
-        <p:nvSpPr>
-          <p:cNvPr id="6" name="CuadroTexto 5">
-            <a:extLst>
-              <a:ext uri="{FF2B5EF4-FFF2-40B4-BE49-F238E27FC236}">
-                <a16:creationId xmlns:a16="http://schemas.microsoft.com/office/drawing/2014/main" id="{DEA41477-C01D-7641-1FF8-DE9C5A9C7EE2}"/>
-              </a:ext>
-            </a:extLst>
-          </p:cNvPr>
-          <p:cNvSpPr txBox="1"/>
-          <p:nvPr/>
-        </p:nvSpPr>
-        <p:spPr>
-          <a:xfrm>
-            <a:off x="9054058" y="6488668"/>
-            <a:ext cx="3137941" cy="369332"/>
-          </a:xfrm>
-          <a:prstGeom prst="rect">
-            <a:avLst/>
-          </a:prstGeom>
-          <a:noFill/>
-        </p:spPr>
-        <p:txBody>
-          <a:bodyPr wrap="square" rtlCol="0">
-            <a:spAutoFit/>
-          </a:bodyPr>
-          <a:lstStyle/>
-          <a:p>
-            <a:pPr algn="ctr"/>
-            <a:r>
-              <a:rPr lang="es-ES" dirty="0">
-                <a:solidFill>
-                  <a:schemeClr val="tx2">
-                    <a:lumMod val="75000"/>
-                    <a:lumOff val="25000"/>
-                  </a:schemeClr>
-                </a:solidFill>
-              </a:rPr>
-              <a:t>Fundamentos de </a:t>
-            </a:r>
-            <a:r>
-              <a:rPr lang="es-ES" dirty="0" err="1">
-                <a:solidFill>
-                  <a:schemeClr val="tx2">
-                    <a:lumMod val="75000"/>
-                    <a:lumOff val="25000"/>
-                  </a:schemeClr>
-                </a:solidFill>
-              </a:rPr>
-              <a:t>React</a:t>
-            </a:r>
-            <a:endParaRPr lang="es-ES" dirty="0">
-              <a:solidFill>
-                <a:schemeClr val="tx2">
-                  <a:lumMod val="75000"/>
-                  <a:lumOff val="25000"/>
-                </a:schemeClr>
-              </a:solidFill>
-            </a:endParaRPr>
-          </a:p>
-        </p:txBody>
-      </p:sp>
-    </p:spTree>
-    <p:extLst>
-      <p:ext uri="{BB962C8B-B14F-4D97-AF65-F5344CB8AC3E}">
-        <p14:creationId xmlns:p14="http://schemas.microsoft.com/office/powerpoint/2010/main" val="2181362529"/>
-      </p:ext>
-    </p:extLst>
-  </p:cSld>
-  <p:clrMapOvr>
-    <a:masterClrMapping/>
-  </p:clrMapOvr>
-</p:sld>
-</file>
-
-<file path=ppt/slides/slide8.xml><?xml version="1.0" encoding="utf-8"?>
-<p:sld xmlns:a="http://schemas.openxmlformats.org/drawingml/2006/main" xmlns:r="http://schemas.openxmlformats.org/officeDocument/2006/relationships" xmlns:p="http://schemas.openxmlformats.org/presentationml/2006/main">
-  <p:cSld>
-    <p:spTree>
-      <p:nvGrpSpPr>
-        <p:cNvPr id="1" name="">
-          <a:extLst>
-            <a:ext uri="{FF2B5EF4-FFF2-40B4-BE49-F238E27FC236}">
-              <a16:creationId xmlns:a16="http://schemas.microsoft.com/office/drawing/2014/main" id="{0613F409-C8DD-FD70-1645-AA05DC151EBD}"/>
-            </a:ext>
-          </a:extLst>
-        </p:cNvPr>
-        <p:cNvGrpSpPr/>
-        <p:nvPr/>
-      </p:nvGrpSpPr>
-      <p:grpSpPr>
-        <a:xfrm>
-          <a:off x="0" y="0"/>
-          <a:ext cx="0" cy="0"/>
-          <a:chOff x="0" y="0"/>
-          <a:chExt cx="0" cy="0"/>
-        </a:xfrm>
-      </p:grpSpPr>
-      <p:pic>
-        <p:nvPicPr>
-          <p:cNvPr id="5" name="Imagen 4">
-            <a:extLst>
-              <a:ext uri="{FF2B5EF4-FFF2-40B4-BE49-F238E27FC236}">
-                <a16:creationId xmlns:a16="http://schemas.microsoft.com/office/drawing/2014/main" id="{56DF8648-8804-93A1-65AD-2A57F8446A62}"/>
-              </a:ext>
-            </a:extLst>
-          </p:cNvPr>
-          <p:cNvPicPr>
-            <a:picLocks noChangeAspect="1"/>
-          </p:cNvPicPr>
-          <p:nvPr/>
-        </p:nvPicPr>
-        <p:blipFill>
-          <a:blip r:embed="rId2">
-            <a:alphaModFix amt="5000"/>
-          </a:blip>
-          <a:stretch>
-            <a:fillRect/>
-          </a:stretch>
-        </p:blipFill>
-        <p:spPr>
-          <a:xfrm>
-            <a:off x="0" y="-16418"/>
-            <a:ext cx="12192000" cy="6874418"/>
-          </a:xfrm>
-          <a:prstGeom prst="rect">
-            <a:avLst/>
-          </a:prstGeom>
-        </p:spPr>
-      </p:pic>
-      <p:sp>
-        <p:nvSpPr>
-          <p:cNvPr id="2" name="Título 1">
-            <a:extLst>
-              <a:ext uri="{FF2B5EF4-FFF2-40B4-BE49-F238E27FC236}">
-                <a16:creationId xmlns:a16="http://schemas.microsoft.com/office/drawing/2014/main" id="{1F8F80CA-CE8D-1450-FE9E-AD4699236D66}"/>
-              </a:ext>
-            </a:extLst>
-          </p:cNvPr>
-          <p:cNvSpPr>
-            <a:spLocks noGrp="1"/>
-          </p:cNvSpPr>
-          <p:nvPr>
-            <p:ph type="title"/>
-          </p:nvPr>
-        </p:nvSpPr>
-        <p:spPr/>
-        <p:txBody>
-          <a:bodyPr/>
-          <a:lstStyle/>
-          <a:p>
-            <a:pPr lvl="0"/>
-            <a:r>
-              <a:rPr lang="es-ES" dirty="0"/>
-              <a:t>T</a:t>
-            </a:r>
-            <a:r>
-              <a:rPr lang="en-US" dirty="0"/>
-              <a:t>AREA</a:t>
-            </a:r>
-          </a:p>
-        </p:txBody>
-      </p:sp>
-      <p:sp>
-        <p:nvSpPr>
-          <p:cNvPr id="3" name="Marcador de contenido 2">
-            <a:extLst>
-              <a:ext uri="{FF2B5EF4-FFF2-40B4-BE49-F238E27FC236}">
-                <a16:creationId xmlns:a16="http://schemas.microsoft.com/office/drawing/2014/main" id="{3C6CA794-CDEC-539D-DA00-C7EE4E680A1F}"/>
-              </a:ext>
-            </a:extLst>
-          </p:cNvPr>
-          <p:cNvSpPr>
-            <a:spLocks noGrp="1"/>
-          </p:cNvSpPr>
-          <p:nvPr>
-            <p:ph idx="1"/>
-          </p:nvPr>
-        </p:nvSpPr>
-        <p:spPr/>
-        <p:txBody>
-          <a:bodyPr/>
-          <a:lstStyle/>
-          <a:p>
-            <a:r>
-              <a:rPr lang="en-US" b="1" dirty="0"/>
-              <a:t>Tarea para Casa:</a:t>
-            </a:r>
-            <a:endParaRPr lang="en-US" dirty="0"/>
-          </a:p>
-          <a:p>
-            <a:pPr lvl="0"/>
-            <a:r>
-              <a:rPr lang="en-US" dirty="0"/>
-              <a:t>Crear 3 </a:t>
-            </a:r>
-            <a:r>
-              <a:rPr lang="en-US" dirty="0" err="1"/>
-              <a:t>componentes</a:t>
-            </a:r>
-            <a:r>
-              <a:rPr lang="en-US" dirty="0"/>
-              <a:t>: </a:t>
-            </a:r>
-          </a:p>
-          <a:p>
-            <a:pPr lvl="1"/>
-            <a:r>
-              <a:rPr lang="en-US" dirty="0"/>
-              <a:t>Button: </a:t>
-            </a:r>
-            <a:r>
-              <a:rPr lang="en-US" dirty="0" err="1"/>
-              <a:t>Recibe</a:t>
-            </a:r>
-            <a:r>
-              <a:rPr lang="en-US" dirty="0"/>
-              <a:t> prop text.</a:t>
-            </a:r>
-          </a:p>
-          <a:p>
-            <a:pPr lvl="1"/>
-            <a:r>
-              <a:rPr lang="es-ES" dirty="0" err="1"/>
-              <a:t>Card</a:t>
-            </a:r>
-            <a:r>
-              <a:rPr lang="es-ES" dirty="0"/>
-              <a:t>: Muestra título y descripción.</a:t>
-            </a:r>
-            <a:endParaRPr lang="en-US" dirty="0"/>
-          </a:p>
-          <a:p>
-            <a:pPr lvl="1"/>
-            <a:r>
-              <a:rPr lang="es-ES" dirty="0" err="1"/>
-              <a:t>Image</a:t>
-            </a:r>
-            <a:r>
-              <a:rPr lang="es-ES" dirty="0"/>
-              <a:t>: Muestra </a:t>
-            </a:r>
-            <a:r>
-              <a:rPr lang="es-ES" dirty="0" err="1"/>
-              <a:t>img</a:t>
-            </a:r>
-            <a:r>
-              <a:rPr lang="es-ES" dirty="0"/>
-              <a:t> con src </a:t>
-            </a:r>
-            <a:r>
-              <a:rPr lang="es-ES" dirty="0" err="1"/>
-              <a:t>prop</a:t>
-            </a:r>
-            <a:r>
-              <a:rPr lang="es-ES" dirty="0"/>
-              <a:t>.</a:t>
-            </a:r>
-            <a:endParaRPr lang="en-US" dirty="0"/>
-          </a:p>
-        </p:txBody>
-      </p:sp>
-      <p:pic>
-        <p:nvPicPr>
-          <p:cNvPr id="4" name="Imagen 3" descr="Logotipo&#10;&#10;Descripción generada automáticamente">
-            <a:extLst>
-              <a:ext uri="{FF2B5EF4-FFF2-40B4-BE49-F238E27FC236}">
-                <a16:creationId xmlns:a16="http://schemas.microsoft.com/office/drawing/2014/main" id="{4181B10B-E646-6829-BE42-5F8EA5E967F6}"/>
-              </a:ext>
-            </a:extLst>
-          </p:cNvPr>
-          <p:cNvPicPr>
-            <a:picLocks noChangeAspect="1"/>
-          </p:cNvPicPr>
-          <p:nvPr/>
-        </p:nvPicPr>
-        <p:blipFill>
-          <a:blip r:embed="rId3">
-            <a:extLst>
-              <a:ext uri="{28A0092B-C50C-407E-A947-70E740481C1C}">
-                <a14:useLocalDpi xmlns:a14="http://schemas.microsoft.com/office/drawing/2010/main" val="0"/>
-              </a:ext>
-            </a:extLst>
-          </a:blip>
-          <a:stretch>
-            <a:fillRect/>
-          </a:stretch>
-        </p:blipFill>
-        <p:spPr>
-          <a:xfrm>
-            <a:off x="0" y="5764617"/>
-            <a:ext cx="1735528" cy="1093383"/>
-          </a:xfrm>
-          <a:prstGeom prst="rect">
-            <a:avLst/>
-          </a:prstGeom>
-        </p:spPr>
-      </p:pic>
-      <p:sp>
-        <p:nvSpPr>
-          <p:cNvPr id="6" name="CuadroTexto 5">
-            <a:extLst>
-              <a:ext uri="{FF2B5EF4-FFF2-40B4-BE49-F238E27FC236}">
-                <a16:creationId xmlns:a16="http://schemas.microsoft.com/office/drawing/2014/main" id="{E5322858-D893-0232-6939-6074C58F1A09}"/>
-              </a:ext>
-            </a:extLst>
-          </p:cNvPr>
-          <p:cNvSpPr txBox="1"/>
-          <p:nvPr/>
-        </p:nvSpPr>
-        <p:spPr>
-          <a:xfrm>
-            <a:off x="9054058" y="6488668"/>
-            <a:ext cx="3137941" cy="369332"/>
-          </a:xfrm>
-          <a:prstGeom prst="rect">
-            <a:avLst/>
-          </a:prstGeom>
-          <a:noFill/>
-        </p:spPr>
-        <p:txBody>
-          <a:bodyPr wrap="square" rtlCol="0">
-            <a:spAutoFit/>
-          </a:bodyPr>
-          <a:lstStyle/>
-          <a:p>
-            <a:pPr algn="ctr"/>
-            <a:r>
-              <a:rPr lang="es-ES" dirty="0">
-                <a:solidFill>
-                  <a:schemeClr val="tx2">
-                    <a:lumMod val="75000"/>
-                    <a:lumOff val="25000"/>
-                  </a:schemeClr>
-                </a:solidFill>
-              </a:rPr>
-              <a:t>Fundamentos de </a:t>
-            </a:r>
-            <a:r>
-              <a:rPr lang="es-ES" dirty="0" err="1">
-                <a:solidFill>
-                  <a:schemeClr val="tx2">
-                    <a:lumMod val="75000"/>
-                    <a:lumOff val="25000"/>
-                  </a:schemeClr>
-                </a:solidFill>
-              </a:rPr>
-              <a:t>React</a:t>
-            </a:r>
-            <a:endParaRPr lang="es-ES" dirty="0">
-              <a:solidFill>
-                <a:schemeClr val="tx2">
-                  <a:lumMod val="75000"/>
-                  <a:lumOff val="25000"/>
-                </a:schemeClr>
-              </a:solidFill>
-            </a:endParaRPr>
-          </a:p>
-        </p:txBody>
-      </p:sp>
-    </p:spTree>
-    <p:extLst>
-      <p:ext uri="{BB962C8B-B14F-4D97-AF65-F5344CB8AC3E}">
-        <p14:creationId xmlns:p14="http://schemas.microsoft.com/office/powerpoint/2010/main" val="2109468931"/>
-      </p:ext>
-    </p:extLst>
-  </p:cSld>
-  <p:clrMapOvr>
-    <a:masterClrMapping/>
-  </p:clrMapOvr>
-</p:sld>
-</file>
-
-<file path=ppt/slides/slide9.xml><?xml version="1.0" encoding="utf-8"?>
-<p:sld xmlns:a="http://schemas.openxmlformats.org/drawingml/2006/main" xmlns:r="http://schemas.openxmlformats.org/officeDocument/2006/relationships" xmlns:p="http://schemas.openxmlformats.org/presentationml/2006/main">
-  <p:cSld>
-    <p:spTree>
-      <p:nvGrpSpPr>
-        <p:cNvPr id="1" name="">
-          <a:extLst>
-            <a:ext uri="{FF2B5EF4-FFF2-40B4-BE49-F238E27FC236}">
-              <a16:creationId xmlns:a16="http://schemas.microsoft.com/office/drawing/2014/main" id="{4A2C18DC-3924-620C-B2BD-382D1155B294}"/>
-            </a:ext>
-          </a:extLst>
-        </p:cNvPr>
-        <p:cNvGrpSpPr/>
-        <p:nvPr/>
-      </p:nvGrpSpPr>
-      <p:grpSpPr>
-        <a:xfrm>
-          <a:off x="0" y="0"/>
-          <a:ext cx="0" cy="0"/>
-          <a:chOff x="0" y="0"/>
-          <a:chExt cx="0" cy="0"/>
-        </a:xfrm>
-      </p:grpSpPr>
-      <p:pic>
-        <p:nvPicPr>
-          <p:cNvPr id="5" name="Imagen 4">
-            <a:extLst>
-              <a:ext uri="{FF2B5EF4-FFF2-40B4-BE49-F238E27FC236}">
-                <a16:creationId xmlns:a16="http://schemas.microsoft.com/office/drawing/2014/main" id="{2EE73F48-DA97-8667-0330-1AD06609C70A}"/>
-              </a:ext>
-            </a:extLst>
-          </p:cNvPr>
-          <p:cNvPicPr>
-            <a:picLocks noChangeAspect="1"/>
-          </p:cNvPicPr>
-          <p:nvPr/>
-        </p:nvPicPr>
-        <p:blipFill>
-          <a:blip r:embed="rId2">
-            <a:alphaModFix amt="5000"/>
-          </a:blip>
-          <a:stretch>
-            <a:fillRect/>
-          </a:stretch>
-        </p:blipFill>
-        <p:spPr>
-          <a:xfrm>
-            <a:off x="0" y="-16418"/>
-            <a:ext cx="12192000" cy="6874418"/>
-          </a:xfrm>
-          <a:prstGeom prst="rect">
-            <a:avLst/>
-          </a:prstGeom>
-        </p:spPr>
-      </p:pic>
-      <p:sp>
-        <p:nvSpPr>
-          <p:cNvPr id="2" name="Título 1">
-            <a:extLst>
-              <a:ext uri="{FF2B5EF4-FFF2-40B4-BE49-F238E27FC236}">
-                <a16:creationId xmlns:a16="http://schemas.microsoft.com/office/drawing/2014/main" id="{D44FC48B-0FDB-FB1A-9FD2-B20A29EB05A8}"/>
-              </a:ext>
-            </a:extLst>
-          </p:cNvPr>
-          <p:cNvSpPr>
-            <a:spLocks noGrp="1"/>
-          </p:cNvSpPr>
-          <p:nvPr>
-            <p:ph type="title"/>
-          </p:nvPr>
-        </p:nvSpPr>
-        <p:spPr>
-          <a:xfrm>
-            <a:off x="2703576" y="2326876"/>
-            <a:ext cx="5879592" cy="1325563"/>
-          </a:xfrm>
-        </p:spPr>
-        <p:txBody>
-          <a:bodyPr>
-            <a:noAutofit/>
-          </a:bodyPr>
-          <a:lstStyle/>
-          <a:p>
-            <a:r>
-              <a:rPr lang="es-ES" sz="9600" b="1" dirty="0"/>
-              <a:t>G</a:t>
-            </a:r>
-            <a:r>
-              <a:rPr lang="en-US" sz="9600" b="1" dirty="0"/>
-              <a:t>RACIAS</a:t>
-            </a:r>
-          </a:p>
-        </p:txBody>
-      </p:sp>
-      <p:pic>
-        <p:nvPicPr>
-          <p:cNvPr id="4" name="Imagen 3" descr="Logotipo&#10;&#10;Descripción generada automáticamente">
-            <a:extLst>
-              <a:ext uri="{FF2B5EF4-FFF2-40B4-BE49-F238E27FC236}">
-                <a16:creationId xmlns:a16="http://schemas.microsoft.com/office/drawing/2014/main" id="{DEB058E6-F012-5BEB-130D-53B504BB1632}"/>
-              </a:ext>
-            </a:extLst>
-          </p:cNvPr>
-          <p:cNvPicPr>
-            <a:picLocks noChangeAspect="1"/>
-          </p:cNvPicPr>
-          <p:nvPr/>
-        </p:nvPicPr>
-        <p:blipFill>
-          <a:blip r:embed="rId3">
-            <a:extLst>
-              <a:ext uri="{28A0092B-C50C-407E-A947-70E740481C1C}">
-                <a14:useLocalDpi xmlns:a14="http://schemas.microsoft.com/office/drawing/2010/main" val="0"/>
-              </a:ext>
-            </a:extLst>
-          </a:blip>
-          <a:stretch>
-            <a:fillRect/>
-          </a:stretch>
-        </p:blipFill>
-        <p:spPr>
-          <a:xfrm>
-            <a:off x="0" y="5764617"/>
-            <a:ext cx="1735528" cy="1093383"/>
-          </a:xfrm>
-          <a:prstGeom prst="rect">
-            <a:avLst/>
-          </a:prstGeom>
-        </p:spPr>
-      </p:pic>
-      <p:sp>
-        <p:nvSpPr>
-          <p:cNvPr id="6" name="CuadroTexto 5">
-            <a:extLst>
-              <a:ext uri="{FF2B5EF4-FFF2-40B4-BE49-F238E27FC236}">
-                <a16:creationId xmlns:a16="http://schemas.microsoft.com/office/drawing/2014/main" id="{CBCEE3A9-8D6D-3420-2A31-B71F966CAFFC}"/>
-              </a:ext>
-            </a:extLst>
-          </p:cNvPr>
-          <p:cNvSpPr txBox="1"/>
-          <p:nvPr/>
-        </p:nvSpPr>
-        <p:spPr>
-          <a:xfrm>
-            <a:off x="9054058" y="6488668"/>
-            <a:ext cx="3137941" cy="369332"/>
-          </a:xfrm>
-          <a:prstGeom prst="rect">
-            <a:avLst/>
-          </a:prstGeom>
-          <a:noFill/>
-        </p:spPr>
-        <p:txBody>
-          <a:bodyPr wrap="square" rtlCol="0">
-            <a:spAutoFit/>
-          </a:bodyPr>
-          <a:lstStyle/>
-          <a:p>
-            <a:pPr algn="ctr"/>
-            <a:r>
-              <a:rPr lang="es-ES" dirty="0">
-                <a:solidFill>
-                  <a:schemeClr val="tx2">
-                    <a:lumMod val="75000"/>
-                    <a:lumOff val="25000"/>
-                  </a:schemeClr>
-                </a:solidFill>
-              </a:rPr>
-              <a:t>Fundamentos de </a:t>
-            </a:r>
-            <a:r>
-              <a:rPr lang="es-ES" dirty="0" err="1">
-                <a:solidFill>
-                  <a:schemeClr val="tx2">
-                    <a:lumMod val="75000"/>
-                    <a:lumOff val="25000"/>
-                  </a:schemeClr>
-                </a:solidFill>
-              </a:rPr>
-              <a:t>React</a:t>
-            </a:r>
-            <a:endParaRPr lang="es-ES" dirty="0">
-              <a:solidFill>
-                <a:schemeClr val="tx2">
-                  <a:lumMod val="75000"/>
-                  <a:lumOff val="25000"/>
-                </a:schemeClr>
-              </a:solidFill>
-            </a:endParaRPr>
-          </a:p>
-        </p:txBody>
-      </p:sp>
-    </p:spTree>
-    <p:extLst>
-      <p:ext uri="{BB962C8B-B14F-4D97-AF65-F5344CB8AC3E}">
-        <p14:creationId xmlns:p14="http://schemas.microsoft.com/office/powerpoint/2010/main" val="1856096924"/>
       </p:ext>
     </p:extLst>
   </p:cSld>
